--- a/transporte_sp.pptx
+++ b/transporte_sp.pptx
@@ -5,17 +5,22 @@
     <p:sldMasterId id="2147483660" r:id="rId1"/>
   </p:sldMasterIdLst>
   <p:notesMasterIdLst>
-    <p:notesMasterId r:id="rId10"/>
+    <p:notesMasterId r:id="rId15"/>
   </p:notesMasterIdLst>
   <p:sldIdLst>
     <p:sldId id="256" r:id="rId2"/>
-    <p:sldId id="257" r:id="rId3"/>
-    <p:sldId id="264" r:id="rId4"/>
-    <p:sldId id="265" r:id="rId5"/>
-    <p:sldId id="266" r:id="rId6"/>
-    <p:sldId id="267" r:id="rId7"/>
-    <p:sldId id="262" r:id="rId8"/>
-    <p:sldId id="263" r:id="rId9"/>
+    <p:sldId id="268" r:id="rId3"/>
+    <p:sldId id="270" r:id="rId4"/>
+    <p:sldId id="264" r:id="rId5"/>
+    <p:sldId id="257" r:id="rId6"/>
+    <p:sldId id="262" r:id="rId7"/>
+    <p:sldId id="269" r:id="rId8"/>
+    <p:sldId id="265" r:id="rId9"/>
+    <p:sldId id="267" r:id="rId10"/>
+    <p:sldId id="271" r:id="rId11"/>
+    <p:sldId id="263" r:id="rId12"/>
+    <p:sldId id="272" r:id="rId13"/>
+    <p:sldId id="273" r:id="rId14"/>
   </p:sldIdLst>
   <p:sldSz cx="12192000" cy="6858000"/>
   <p:notesSz cx="6858000" cy="9144000"/>
@@ -120,13 +125,18 @@
         <p14:section name="Seção Padrão" id="{71E9C802-1C7F-4F40-A1AB-99B69DDBF86B}">
           <p14:sldIdLst>
             <p14:sldId id="256"/>
+            <p14:sldId id="268"/>
+            <p14:sldId id="270"/>
+            <p14:sldId id="264"/>
             <p14:sldId id="257"/>
-            <p14:sldId id="264"/>
+            <p14:sldId id="262"/>
+            <p14:sldId id="269"/>
             <p14:sldId id="265"/>
-            <p14:sldId id="266"/>
             <p14:sldId id="267"/>
-            <p14:sldId id="262"/>
+            <p14:sldId id="271"/>
             <p14:sldId id="263"/>
+            <p14:sldId id="272"/>
+            <p14:sldId id="273"/>
           </p14:sldIdLst>
         </p14:section>
       </p14:sectionLst>
@@ -4263,7 +4273,7 @@
 </p:sld>
 </file>
 
-<file path=ppt/slides/slide2.xml><?xml version="1.0" encoding="utf-8"?>
+<file path=ppt/slides/slide10.xml><?xml version="1.0" encoding="utf-8"?>
 <p:sld xmlns:a="http://schemas.openxmlformats.org/drawingml/2006/main" xmlns:r="http://schemas.openxmlformats.org/officeDocument/2006/relationships" xmlns:p="http://schemas.openxmlformats.org/presentationml/2006/main">
   <p:cSld>
     <p:spTree>
@@ -4282,276 +4292,82 @@
       </p:grpSpPr>
       <p:sp>
         <p:nvSpPr>
-          <p:cNvPr id="4" name="Title" hidden="1"/>
-          <p:cNvSpPr>
-            <a:spLocks noGrp="1"/>
-          </p:cNvSpPr>
-          <p:nvPr>
-            <p:ph type="title"/>
-          </p:nvPr>
-        </p:nvSpPr>
-        <p:spPr/>
-        <p:txBody>
-          <a:bodyPr/>
-          <a:lstStyle/>
-          <a:p>
-            <a:r>
-              <a:t>Passageiros por mês</a:t>
-            </a:r>
-          </a:p>
-        </p:txBody>
-      </p:sp>
-      <p:sp>
-        <p:nvSpPr>
-          <p:cNvPr id="2" name="CaixaDeTexto 1">
+          <p:cNvPr id="2" name="Título 1">
             <a:extLst>
               <a:ext uri="{FF2B5EF4-FFF2-40B4-BE49-F238E27FC236}">
-                <a16:creationId xmlns:a16="http://schemas.microsoft.com/office/drawing/2014/main" id="{4B228B2A-4016-462D-8D7C-CED940CB41BC}"/>
+                <a16:creationId xmlns:a16="http://schemas.microsoft.com/office/drawing/2014/main" id="{C00ADD9A-1510-4AF4-ACC6-5CE9C27F2E78}"/>
               </a:ext>
             </a:extLst>
           </p:cNvPr>
-          <p:cNvSpPr txBox="1"/>
-          <p:nvPr/>
-        </p:nvSpPr>
-        <p:spPr>
-          <a:xfrm flipH="1">
-            <a:off x="10196186" y="5987442"/>
-            <a:ext cx="1803746" cy="369332"/>
-          </a:xfrm>
-          <a:prstGeom prst="rect">
-            <a:avLst/>
-          </a:prstGeom>
-          <a:noFill/>
-        </p:spPr>
-        <p:txBody>
-          <a:bodyPr wrap="square" rtlCol="0">
-            <a:spAutoFit/>
-          </a:bodyPr>
+          <p:cNvSpPr>
+            <a:spLocks noGrp="1"/>
+          </p:cNvSpPr>
+          <p:nvPr>
+            <p:ph type="title"/>
+          </p:nvPr>
+        </p:nvSpPr>
+        <p:spPr/>
+        <p:txBody>
+          <a:bodyPr/>
           <a:lstStyle/>
           <a:p>
             <a:r>
               <a:rPr lang="pt-BR" dirty="0"/>
-              <a:t>Fonte: SPTrans</a:t>
-            </a:r>
-          </a:p>
-        </p:txBody>
-      </p:sp>
-      <p:pic>
-        <p:nvPicPr>
-          <p:cNvPr id="6" name="Picture" title="This slide contains the following visuals: Média de passageiros por mês. Please refer to the notes on this slide for details.">
-            <a:hlinkClick r:id="rId3"/>
+              <a:t>Meios de Transporte: Ônibus</a:t>
+            </a:r>
+          </a:p>
+        </p:txBody>
+      </p:sp>
+      <p:sp>
+        <p:nvSpPr>
+          <p:cNvPr id="3" name="Espaço Reservado para Conteúdo 2">
             <a:extLst>
               <a:ext uri="{FF2B5EF4-FFF2-40B4-BE49-F238E27FC236}">
-                <a16:creationId xmlns:a16="http://schemas.microsoft.com/office/drawing/2014/main" id="{6728EFFC-5F3B-4039-A3CC-533D423EEE14}"/>
+                <a16:creationId xmlns:a16="http://schemas.microsoft.com/office/drawing/2014/main" id="{711DF5DE-E4B6-4401-90B1-8C0756472824}"/>
               </a:ext>
             </a:extLst>
           </p:cNvPr>
-          <p:cNvPicPr>
-            <a:picLocks noChangeAspect="1"/>
-          </p:cNvPicPr>
-          <p:nvPr/>
-        </p:nvPicPr>
-        <p:blipFill rotWithShape="1">
-          <a:blip r:embed="rId4">
-            <a:alphaModFix amt="67000"/>
-          </a:blip>
-          <a:srcRect b="38813"/>
-          <a:stretch/>
-        </p:blipFill>
-        <p:spPr>
-          <a:xfrm>
-            <a:off x="586532" y="2129425"/>
-            <a:ext cx="11143961" cy="3890213"/>
-          </a:xfrm>
-          <a:prstGeom prst="rect">
-            <a:avLst/>
-          </a:prstGeom>
-          <a:noFill/>
-        </p:spPr>
-      </p:pic>
-      <p:sp>
-        <p:nvSpPr>
-          <p:cNvPr id="7" name="Título 1">
-            <a:extLst>
-              <a:ext uri="{FF2B5EF4-FFF2-40B4-BE49-F238E27FC236}">
-                <a16:creationId xmlns:a16="http://schemas.microsoft.com/office/drawing/2014/main" id="{74B267D6-3EDC-4585-8FBE-005A74EEF571}"/>
-              </a:ext>
-            </a:extLst>
-          </p:cNvPr>
-          <p:cNvSpPr txBox="1">
-            <a:spLocks/>
-          </p:cNvSpPr>
-          <p:nvPr/>
-        </p:nvSpPr>
-        <p:spPr>
-          <a:xfrm>
-            <a:off x="990600" y="517525"/>
-            <a:ext cx="10515600" cy="1325563"/>
-          </a:xfrm>
-          <a:prstGeom prst="rect">
-            <a:avLst/>
-          </a:prstGeom>
-        </p:spPr>
-        <p:txBody>
-          <a:bodyPr vert="horz" lIns="91440" tIns="45720" rIns="91440" bIns="45720" rtlCol="0" anchor="ctr">
-            <a:normAutofit/>
-          </a:bodyPr>
-          <a:lstStyle>
-            <a:lvl1pPr algn="l" defTabSz="914400" rtl="0" eaLnBrk="1" latinLnBrk="0" hangingPunct="1">
-              <a:lnSpc>
-                <a:spcPct val="90000"/>
-              </a:lnSpc>
-              <a:spcBef>
-                <a:spcPct val="0"/>
-              </a:spcBef>
-              <a:buNone/>
-              <a:defRPr sz="4400" kern="1200">
-                <a:solidFill>
-                  <a:schemeClr val="tx1">
-                    <a:lumMod val="75000"/>
-                    <a:lumOff val="25000"/>
-                  </a:schemeClr>
-                </a:solidFill>
-                <a:effectLst>
-                  <a:outerShdw blurRad="50800" dist="38100" dir="13500000" algn="br" rotWithShape="0">
-                    <a:prstClr val="black">
-                      <a:alpha val="40000"/>
-                    </a:prstClr>
-                  </a:outerShdw>
-                </a:effectLst>
-                <a:latin typeface="+mj-lt"/>
-                <a:ea typeface="+mj-ea"/>
-                <a:cs typeface="+mj-cs"/>
-              </a:defRPr>
-            </a:lvl1pPr>
-          </a:lstStyle>
-          <a:p>
-            <a:r>
-              <a:rPr lang="pt-BR"/>
-              <a:t>Dados Históricos de Passageiros de Ônibus</a:t>
-            </a:r>
+          <p:cNvSpPr>
+            <a:spLocks noGrp="1"/>
+          </p:cNvSpPr>
+          <p:nvPr>
+            <p:ph idx="1"/>
+          </p:nvPr>
+        </p:nvSpPr>
+        <p:spPr/>
+        <p:txBody>
+          <a:bodyPr/>
+          <a:lstStyle/>
+          <a:p>
+            <a:r>
+              <a:rPr lang="pt-BR" dirty="0"/>
+              <a:t>As estatísticas de passageiros de ônibus demonstram que houve uma forte queda na circulação de pessoas na cidade por conta da pandemia da Covid-19</a:t>
+            </a:r>
+          </a:p>
+          <a:p>
             <a:endParaRPr lang="pt-BR" dirty="0"/>
           </a:p>
-        </p:txBody>
-      </p:sp>
-    </p:spTree>
-  </p:cSld>
-  <p:clrMapOvr>
-    <a:masterClrMapping/>
-  </p:clrMapOvr>
-</p:sld>
-</file>
-
-<file path=ppt/slides/slide3.xml><?xml version="1.0" encoding="utf-8"?>
-<p:sld xmlns:a="http://schemas.openxmlformats.org/drawingml/2006/main" xmlns:r="http://schemas.openxmlformats.org/officeDocument/2006/relationships" xmlns:p="http://schemas.openxmlformats.org/presentationml/2006/main">
-  <p:cSld>
-    <p:spTree>
-      <p:nvGrpSpPr>
-        <p:cNvPr id="1" name=""/>
-        <p:cNvGrpSpPr/>
-        <p:nvPr/>
-      </p:nvGrpSpPr>
-      <p:grpSpPr>
-        <a:xfrm>
-          <a:off x="0" y="0"/>
-          <a:ext cx="0" cy="0"/>
-          <a:chOff x="0" y="0"/>
-          <a:chExt cx="0" cy="0"/>
-        </a:xfrm>
-      </p:grpSpPr>
-      <p:sp>
-        <p:nvSpPr>
-          <p:cNvPr id="2" name="Título 1">
-            <a:extLst>
-              <a:ext uri="{FF2B5EF4-FFF2-40B4-BE49-F238E27FC236}">
-                <a16:creationId xmlns:a16="http://schemas.microsoft.com/office/drawing/2014/main" id="{05DFC718-FFC4-413F-807E-835242E22D2D}"/>
-              </a:ext>
-            </a:extLst>
-          </p:cNvPr>
-          <p:cNvSpPr>
-            <a:spLocks noGrp="1"/>
-          </p:cNvSpPr>
-          <p:nvPr>
-            <p:ph type="title"/>
-          </p:nvPr>
-        </p:nvSpPr>
-        <p:spPr/>
-        <p:txBody>
-          <a:bodyPr/>
-          <a:lstStyle/>
           <a:p>
             <a:r>
               <a:rPr lang="pt-BR" dirty="0"/>
-              <a:t>Dados Históricos de Passageiros de Ônibus</a:t>
-            </a:r>
-          </a:p>
-        </p:txBody>
-      </p:sp>
-      <p:pic>
-        <p:nvPicPr>
-          <p:cNvPr id="3" name="Picture" title="This slide contains the following visuals: Média de passageiros por trimestre. Please refer to the notes on this slide for details.">
-            <a:hlinkClick r:id="rId2"/>
-            <a:extLst>
-              <a:ext uri="{FF2B5EF4-FFF2-40B4-BE49-F238E27FC236}">
-                <a16:creationId xmlns:a16="http://schemas.microsoft.com/office/drawing/2014/main" id="{09423CD4-A973-4292-96FF-9B11890BE7D3}"/>
-              </a:ext>
-            </a:extLst>
-          </p:cNvPr>
-          <p:cNvPicPr>
-            <a:picLocks noChangeAspect="1"/>
-          </p:cNvPicPr>
-          <p:nvPr/>
-        </p:nvPicPr>
-        <p:blipFill>
-          <a:blip r:embed="rId3">
-            <a:alphaModFix amt="67000"/>
-          </a:blip>
-          <a:stretch>
-            <a:fillRect/>
-          </a:stretch>
-        </p:blipFill>
-        <p:spPr>
-          <a:xfrm>
-            <a:off x="1129430" y="1690688"/>
-            <a:ext cx="9933139" cy="4802187"/>
-          </a:xfrm>
-          <a:prstGeom prst="rect">
-            <a:avLst/>
-          </a:prstGeom>
-          <a:noFill/>
-        </p:spPr>
-      </p:pic>
-      <p:sp>
-        <p:nvSpPr>
-          <p:cNvPr id="5" name="CaixaDeTexto 4">
-            <a:extLst>
-              <a:ext uri="{FF2B5EF4-FFF2-40B4-BE49-F238E27FC236}">
-                <a16:creationId xmlns:a16="http://schemas.microsoft.com/office/drawing/2014/main" id="{6CCC8F59-D3AB-44E1-8B70-370C959E735E}"/>
-              </a:ext>
-            </a:extLst>
-          </p:cNvPr>
-          <p:cNvSpPr txBox="1"/>
-          <p:nvPr/>
-        </p:nvSpPr>
-        <p:spPr>
-          <a:xfrm flipH="1">
-            <a:off x="9527920" y="6463430"/>
-            <a:ext cx="1870764" cy="369518"/>
-          </a:xfrm>
-          <a:prstGeom prst="rect">
-            <a:avLst/>
-          </a:prstGeom>
-          <a:noFill/>
-        </p:spPr>
-        <p:txBody>
-          <a:bodyPr wrap="square" rtlCol="0">
-            <a:spAutoFit/>
-          </a:bodyPr>
-          <a:lstStyle/>
-          <a:p>
+              <a:t>No período </a:t>
+            </a:r>
+            <a:r>
+              <a:rPr lang="pt-BR" dirty="0" err="1"/>
+              <a:t>pré</a:t>
+            </a:r>
             <a:r>
               <a:rPr lang="pt-BR" dirty="0"/>
-              <a:t>Fonte: SPTrans</a:t>
+              <a:t>-pandemia já era observada queda no total de passageiros de ônibus, indicando uma mudança no padrão de mobilidade dos paulistanos</a:t>
+            </a:r>
+          </a:p>
+          <a:p>
+            <a:endParaRPr lang="pt-BR" dirty="0"/>
+          </a:p>
+          <a:p>
+            <a:r>
+              <a:rPr lang="pt-BR" dirty="0"/>
+              <a:t>Há correlação entre número de passageiros e número de linhas</a:t>
             </a:r>
           </a:p>
         </p:txBody>
@@ -4559,7 +4375,7 @@
     </p:spTree>
     <p:extLst>
       <p:ext uri="{BB962C8B-B14F-4D97-AF65-F5344CB8AC3E}">
-        <p14:creationId xmlns:p14="http://schemas.microsoft.com/office/powerpoint/2010/main" val="1501675405"/>
+        <p14:creationId xmlns:p14="http://schemas.microsoft.com/office/powerpoint/2010/main" val="884720241"/>
       </p:ext>
     </p:extLst>
   </p:cSld>
@@ -4569,612 +4385,7 @@
 </p:sld>
 </file>
 
-<file path=ppt/slides/slide4.xml><?xml version="1.0" encoding="utf-8"?>
-<p:sld xmlns:a="http://schemas.openxmlformats.org/drawingml/2006/main" xmlns:r="http://schemas.openxmlformats.org/officeDocument/2006/relationships" xmlns:p="http://schemas.openxmlformats.org/presentationml/2006/main">
-  <p:cSld>
-    <p:spTree>
-      <p:nvGrpSpPr>
-        <p:cNvPr id="1" name=""/>
-        <p:cNvGrpSpPr/>
-        <p:nvPr/>
-      </p:nvGrpSpPr>
-      <p:grpSpPr>
-        <a:xfrm>
-          <a:off x="0" y="0"/>
-          <a:ext cx="0" cy="0"/>
-          <a:chOff x="0" y="0"/>
-          <a:chExt cx="0" cy="0"/>
-        </a:xfrm>
-      </p:grpSpPr>
-      <p:sp>
-        <p:nvSpPr>
-          <p:cNvPr id="2" name="Título 1">
-            <a:extLst>
-              <a:ext uri="{FF2B5EF4-FFF2-40B4-BE49-F238E27FC236}">
-                <a16:creationId xmlns:a16="http://schemas.microsoft.com/office/drawing/2014/main" id="{36F162E6-8967-40E2-B118-CEA36D6AD2E2}"/>
-              </a:ext>
-            </a:extLst>
-          </p:cNvPr>
-          <p:cNvSpPr>
-            <a:spLocks noGrp="1"/>
-          </p:cNvSpPr>
-          <p:nvPr>
-            <p:ph type="title"/>
-          </p:nvPr>
-        </p:nvSpPr>
-        <p:spPr/>
-        <p:txBody>
-          <a:bodyPr/>
-          <a:lstStyle/>
-          <a:p>
-            <a:r>
-              <a:rPr lang="pt-BR" dirty="0"/>
-              <a:t>Formas de Pagamento ou Gratuidade</a:t>
-            </a:r>
-          </a:p>
-        </p:txBody>
-      </p:sp>
-      <p:pic>
-        <p:nvPicPr>
-          <p:cNvPr id="3" name="Picture" title="This slide contains the following visuals: stackedAreaChart. Please refer to the notes on this slide for details.">
-            <a:hlinkClick r:id="rId2"/>
-            <a:extLst>
-              <a:ext uri="{FF2B5EF4-FFF2-40B4-BE49-F238E27FC236}">
-                <a16:creationId xmlns:a16="http://schemas.microsoft.com/office/drawing/2014/main" id="{EABA339B-CBA8-46FA-9826-6508B48F6B8C}"/>
-              </a:ext>
-            </a:extLst>
-          </p:cNvPr>
-          <p:cNvPicPr>
-            <a:picLocks noChangeAspect="1"/>
-          </p:cNvPicPr>
-          <p:nvPr/>
-        </p:nvPicPr>
-        <p:blipFill>
-          <a:blip r:embed="rId3">
-            <a:alphaModFix amt="75000"/>
-          </a:blip>
-          <a:stretch>
-            <a:fillRect/>
-          </a:stretch>
-        </p:blipFill>
-        <p:spPr>
-          <a:xfrm>
-            <a:off x="1571038" y="1694810"/>
-            <a:ext cx="9049924" cy="4793672"/>
-          </a:xfrm>
-          <a:prstGeom prst="rect">
-            <a:avLst/>
-          </a:prstGeom>
-          <a:noFill/>
-        </p:spPr>
-      </p:pic>
-      <p:sp>
-        <p:nvSpPr>
-          <p:cNvPr id="4" name="CaixaDeTexto 3">
-            <a:extLst>
-              <a:ext uri="{FF2B5EF4-FFF2-40B4-BE49-F238E27FC236}">
-                <a16:creationId xmlns:a16="http://schemas.microsoft.com/office/drawing/2014/main" id="{2E08AC0E-B136-437E-821E-7A671C4B9315}"/>
-              </a:ext>
-            </a:extLst>
-          </p:cNvPr>
-          <p:cNvSpPr txBox="1"/>
-          <p:nvPr/>
-        </p:nvSpPr>
-        <p:spPr>
-          <a:xfrm flipH="1">
-            <a:off x="9102035" y="6463430"/>
-            <a:ext cx="1695400" cy="369332"/>
-          </a:xfrm>
-          <a:prstGeom prst="rect">
-            <a:avLst/>
-          </a:prstGeom>
-          <a:noFill/>
-        </p:spPr>
-        <p:txBody>
-          <a:bodyPr wrap="square" rtlCol="0">
-            <a:spAutoFit/>
-          </a:bodyPr>
-          <a:lstStyle/>
-          <a:p>
-            <a:r>
-              <a:rPr lang="pt-BR" dirty="0"/>
-              <a:t>Fonte: SPTrans</a:t>
-            </a:r>
-          </a:p>
-        </p:txBody>
-      </p:sp>
-    </p:spTree>
-    <p:extLst>
-      <p:ext uri="{BB962C8B-B14F-4D97-AF65-F5344CB8AC3E}">
-        <p14:creationId xmlns:p14="http://schemas.microsoft.com/office/powerpoint/2010/main" val="2398900977"/>
-      </p:ext>
-    </p:extLst>
-  </p:cSld>
-  <p:clrMapOvr>
-    <a:masterClrMapping/>
-  </p:clrMapOvr>
-</p:sld>
-</file>
-
-<file path=ppt/slides/slide5.xml><?xml version="1.0" encoding="utf-8"?>
-<p:sld xmlns:a="http://schemas.openxmlformats.org/drawingml/2006/main" xmlns:r="http://schemas.openxmlformats.org/officeDocument/2006/relationships" xmlns:p="http://schemas.openxmlformats.org/presentationml/2006/main">
-  <p:cSld>
-    <p:spTree>
-      <p:nvGrpSpPr>
-        <p:cNvPr id="1" name=""/>
-        <p:cNvGrpSpPr/>
-        <p:nvPr/>
-      </p:nvGrpSpPr>
-      <p:grpSpPr>
-        <a:xfrm>
-          <a:off x="0" y="0"/>
-          <a:ext cx="0" cy="0"/>
-          <a:chOff x="0" y="0"/>
-          <a:chExt cx="0" cy="0"/>
-        </a:xfrm>
-      </p:grpSpPr>
-      <p:sp>
-        <p:nvSpPr>
-          <p:cNvPr id="2" name="Título 1">
-            <a:extLst>
-              <a:ext uri="{FF2B5EF4-FFF2-40B4-BE49-F238E27FC236}">
-                <a16:creationId xmlns:a16="http://schemas.microsoft.com/office/drawing/2014/main" id="{A9657FDF-25EC-4837-B442-01FA1D7C9A61}"/>
-              </a:ext>
-            </a:extLst>
-          </p:cNvPr>
-          <p:cNvSpPr>
-            <a:spLocks noGrp="1"/>
-          </p:cNvSpPr>
-          <p:nvPr>
-            <p:ph type="title"/>
-          </p:nvPr>
-        </p:nvSpPr>
-        <p:spPr/>
-        <p:txBody>
-          <a:bodyPr/>
-          <a:lstStyle/>
-          <a:p>
-            <a:r>
-              <a:rPr lang="pt-BR" dirty="0"/>
-              <a:t>Formas de Pagamento ou Gratuidade</a:t>
-            </a:r>
-          </a:p>
-        </p:txBody>
-      </p:sp>
-      <p:pic>
-        <p:nvPicPr>
-          <p:cNvPr id="2049" name="Picture 1" descr="Média de outras gratuidades, Média de pagantes (Bilhete Único e Vale Transporte) e Média de pagantes (dinheiro) por ano">
-            <a:extLst>
-              <a:ext uri="{FF2B5EF4-FFF2-40B4-BE49-F238E27FC236}">
-                <a16:creationId xmlns:a16="http://schemas.microsoft.com/office/drawing/2014/main" id="{CE501984-47D6-4318-872E-04227740E33E}"/>
-              </a:ext>
-            </a:extLst>
-          </p:cNvPr>
-          <p:cNvPicPr>
-            <a:picLocks noChangeAspect="1" noChangeArrowheads="1"/>
-          </p:cNvPicPr>
-          <p:nvPr/>
-        </p:nvPicPr>
-        <p:blipFill>
-          <a:blip r:embed="rId2">
-            <a:alphaModFix amt="75000"/>
-            <a:extLst>
-              <a:ext uri="{28A0092B-C50C-407E-A947-70E740481C1C}">
-                <a14:useLocalDpi xmlns:a14="http://schemas.microsoft.com/office/drawing/2010/main" val="0"/>
-              </a:ext>
-            </a:extLst>
-          </a:blip>
-          <a:srcRect/>
-          <a:stretch>
-            <a:fillRect/>
-          </a:stretch>
-        </p:blipFill>
-        <p:spPr bwMode="auto">
-          <a:xfrm>
-            <a:off x="2012515" y="1690688"/>
-            <a:ext cx="8166969" cy="4802186"/>
-          </a:xfrm>
-          <a:prstGeom prst="rect">
-            <a:avLst/>
-          </a:prstGeom>
-          <a:noFill/>
-          <a:extLst>
-            <a:ext uri="{909E8E84-426E-40DD-AFC4-6F175D3DCCD1}">
-              <a14:hiddenFill xmlns:a14="http://schemas.microsoft.com/office/drawing/2010/main">
-                <a:solidFill>
-                  <a:srgbClr val="FFFFFF"/>
-                </a:solidFill>
-              </a14:hiddenFill>
-            </a:ext>
-          </a:extLst>
-        </p:spPr>
-      </p:pic>
-      <p:sp>
-        <p:nvSpPr>
-          <p:cNvPr id="6" name="CaixaDeTexto 5">
-            <a:extLst>
-              <a:ext uri="{FF2B5EF4-FFF2-40B4-BE49-F238E27FC236}">
-                <a16:creationId xmlns:a16="http://schemas.microsoft.com/office/drawing/2014/main" id="{A01AA144-DD4B-4A0B-AC6C-CD4C77E201B0}"/>
-              </a:ext>
-            </a:extLst>
-          </p:cNvPr>
-          <p:cNvSpPr txBox="1"/>
-          <p:nvPr/>
-        </p:nvSpPr>
-        <p:spPr>
-          <a:xfrm flipH="1">
-            <a:off x="8651100" y="6450904"/>
-            <a:ext cx="1770554" cy="369332"/>
-          </a:xfrm>
-          <a:prstGeom prst="rect">
-            <a:avLst/>
-          </a:prstGeom>
-          <a:noFill/>
-        </p:spPr>
-        <p:txBody>
-          <a:bodyPr wrap="square" rtlCol="0">
-            <a:spAutoFit/>
-          </a:bodyPr>
-          <a:lstStyle/>
-          <a:p>
-            <a:r>
-              <a:rPr lang="pt-BR" dirty="0"/>
-              <a:t>Fonte: SPTrans</a:t>
-            </a:r>
-          </a:p>
-        </p:txBody>
-      </p:sp>
-    </p:spTree>
-    <p:extLst>
-      <p:ext uri="{BB962C8B-B14F-4D97-AF65-F5344CB8AC3E}">
-        <p14:creationId xmlns:p14="http://schemas.microsoft.com/office/powerpoint/2010/main" val="138571174"/>
-      </p:ext>
-    </p:extLst>
-  </p:cSld>
-  <p:clrMapOvr>
-    <a:masterClrMapping/>
-  </p:clrMapOvr>
-</p:sld>
-</file>
-
-<file path=ppt/slides/slide6.xml><?xml version="1.0" encoding="utf-8"?>
-<p:sld xmlns:a="http://schemas.openxmlformats.org/drawingml/2006/main" xmlns:r="http://schemas.openxmlformats.org/officeDocument/2006/relationships" xmlns:p="http://schemas.openxmlformats.org/presentationml/2006/main">
-  <p:cSld>
-    <p:spTree>
-      <p:nvGrpSpPr>
-        <p:cNvPr id="1" name=""/>
-        <p:cNvGrpSpPr/>
-        <p:nvPr/>
-      </p:nvGrpSpPr>
-      <p:grpSpPr>
-        <a:xfrm>
-          <a:off x="0" y="0"/>
-          <a:ext cx="0" cy="0"/>
-          <a:chOff x="0" y="0"/>
-          <a:chExt cx="0" cy="0"/>
-        </a:xfrm>
-      </p:grpSpPr>
-      <p:sp>
-        <p:nvSpPr>
-          <p:cNvPr id="2" name="Título 1">
-            <a:extLst>
-              <a:ext uri="{FF2B5EF4-FFF2-40B4-BE49-F238E27FC236}">
-                <a16:creationId xmlns:a16="http://schemas.microsoft.com/office/drawing/2014/main" id="{02030EAE-1792-44C0-BC3E-482E38867759}"/>
-              </a:ext>
-            </a:extLst>
-          </p:cNvPr>
-          <p:cNvSpPr>
-            <a:spLocks noGrp="1"/>
-          </p:cNvSpPr>
-          <p:nvPr>
-            <p:ph type="title"/>
-          </p:nvPr>
-        </p:nvSpPr>
-        <p:spPr/>
-        <p:txBody>
-          <a:bodyPr/>
-          <a:lstStyle/>
-          <a:p>
-            <a:r>
-              <a:rPr lang="pt-BR" dirty="0"/>
-              <a:t>Perfil dos Passageiros Pagantes</a:t>
-            </a:r>
-          </a:p>
-        </p:txBody>
-      </p:sp>
-      <p:pic>
-        <p:nvPicPr>
-          <p:cNvPr id="3073" name="Picture 1" descr="Média de pagantes (Bilhete Único e Vale Transporte), Média de pagantes (dinheiro) e Média de pagantes (estudantes) por ano">
-            <a:extLst>
-              <a:ext uri="{FF2B5EF4-FFF2-40B4-BE49-F238E27FC236}">
-                <a16:creationId xmlns:a16="http://schemas.microsoft.com/office/drawing/2014/main" id="{9A859C3C-76A2-438F-B016-A4914D791A29}"/>
-              </a:ext>
-            </a:extLst>
-          </p:cNvPr>
-          <p:cNvPicPr>
-            <a:picLocks noChangeAspect="1" noChangeArrowheads="1"/>
-          </p:cNvPicPr>
-          <p:nvPr/>
-        </p:nvPicPr>
-        <p:blipFill>
-          <a:blip r:embed="rId2">
-            <a:alphaModFix amt="67000"/>
-            <a:extLst>
-              <a:ext uri="{28A0092B-C50C-407E-A947-70E740481C1C}">
-                <a14:useLocalDpi xmlns:a14="http://schemas.microsoft.com/office/drawing/2010/main" val="0"/>
-              </a:ext>
-            </a:extLst>
-          </a:blip>
-          <a:srcRect/>
-          <a:stretch>
-            <a:fillRect/>
-          </a:stretch>
-        </p:blipFill>
-        <p:spPr bwMode="auto">
-          <a:xfrm>
-            <a:off x="2015259" y="1690688"/>
-            <a:ext cx="8161482" cy="4802187"/>
-          </a:xfrm>
-          <a:prstGeom prst="rect">
-            <a:avLst/>
-          </a:prstGeom>
-          <a:noFill/>
-          <a:extLst>
-            <a:ext uri="{909E8E84-426E-40DD-AFC4-6F175D3DCCD1}">
-              <a14:hiddenFill xmlns:a14="http://schemas.microsoft.com/office/drawing/2010/main">
-                <a:solidFill>
-                  <a:srgbClr val="FFFFFF"/>
-                </a:solidFill>
-              </a14:hiddenFill>
-            </a:ext>
-          </a:extLst>
-        </p:spPr>
-      </p:pic>
-      <p:sp>
-        <p:nvSpPr>
-          <p:cNvPr id="6" name="CaixaDeTexto 5">
-            <a:extLst>
-              <a:ext uri="{FF2B5EF4-FFF2-40B4-BE49-F238E27FC236}">
-                <a16:creationId xmlns:a16="http://schemas.microsoft.com/office/drawing/2014/main" id="{A627BABB-5BD5-49E9-AFA7-CF8C841706EC}"/>
-              </a:ext>
-            </a:extLst>
-          </p:cNvPr>
-          <p:cNvSpPr txBox="1"/>
-          <p:nvPr/>
-        </p:nvSpPr>
-        <p:spPr>
-          <a:xfrm flipH="1">
-            <a:off x="8651100" y="6463430"/>
-            <a:ext cx="1745502" cy="369518"/>
-          </a:xfrm>
-          <a:prstGeom prst="rect">
-            <a:avLst/>
-          </a:prstGeom>
-          <a:noFill/>
-        </p:spPr>
-        <p:txBody>
-          <a:bodyPr wrap="square" rtlCol="0">
-            <a:spAutoFit/>
-          </a:bodyPr>
-          <a:lstStyle/>
-          <a:p>
-            <a:r>
-              <a:rPr lang="pt-BR" dirty="0"/>
-              <a:t>Fonte: SPTrans</a:t>
-            </a:r>
-          </a:p>
-        </p:txBody>
-      </p:sp>
-    </p:spTree>
-    <p:extLst>
-      <p:ext uri="{BB962C8B-B14F-4D97-AF65-F5344CB8AC3E}">
-        <p14:creationId xmlns:p14="http://schemas.microsoft.com/office/powerpoint/2010/main" val="3919594515"/>
-      </p:ext>
-    </p:extLst>
-  </p:cSld>
-  <p:clrMapOvr>
-    <a:masterClrMapping/>
-  </p:clrMapOvr>
-</p:sld>
-</file>
-
-<file path=ppt/slides/slide7.xml><?xml version="1.0" encoding="utf-8"?>
-<p:sld xmlns:a="http://schemas.openxmlformats.org/drawingml/2006/main" xmlns:r="http://schemas.openxmlformats.org/officeDocument/2006/relationships" xmlns:p="http://schemas.openxmlformats.org/presentationml/2006/main">
-  <p:cSld>
-    <p:spTree>
-      <p:nvGrpSpPr>
-        <p:cNvPr id="1" name=""/>
-        <p:cNvGrpSpPr/>
-        <p:nvPr/>
-      </p:nvGrpSpPr>
-      <p:grpSpPr>
-        <a:xfrm>
-          <a:off x="0" y="0"/>
-          <a:ext cx="0" cy="0"/>
-          <a:chOff x="0" y="0"/>
-          <a:chExt cx="0" cy="0"/>
-        </a:xfrm>
-      </p:grpSpPr>
-      <p:pic>
-        <p:nvPicPr>
-          <p:cNvPr id="3" name="Picture" title="This slide contains the following visuals: clusteredColumnChart. Please refer to the notes on this slide for details.">
-            <a:hlinkClick r:id="rId3"/>
-          </p:cNvPr>
-          <p:cNvPicPr>
-            <a:picLocks noChangeAspect="1"/>
-          </p:cNvPicPr>
-          <p:nvPr/>
-        </p:nvPicPr>
-        <p:blipFill rotWithShape="1">
-          <a:blip r:embed="rId4">
-            <a:alphaModFix amt="67000"/>
-          </a:blip>
-          <a:srcRect r="43008"/>
-          <a:stretch/>
-        </p:blipFill>
-        <p:spPr>
-          <a:xfrm>
-            <a:off x="6299047" y="1843088"/>
-            <a:ext cx="4423233" cy="4427951"/>
-          </a:xfrm>
-          <a:prstGeom prst="rect">
-            <a:avLst/>
-          </a:prstGeom>
-          <a:noFill/>
-        </p:spPr>
-      </p:pic>
-      <p:sp>
-        <p:nvSpPr>
-          <p:cNvPr id="4" name="Title" hidden="1"/>
-          <p:cNvSpPr>
-            <a:spLocks noGrp="1"/>
-          </p:cNvSpPr>
-          <p:nvPr>
-            <p:ph type="title"/>
-          </p:nvPr>
-        </p:nvSpPr>
-        <p:spPr>
-          <a:xfrm>
-            <a:off x="838200" y="365125"/>
-            <a:ext cx="10515600" cy="1325563"/>
-          </a:xfrm>
-        </p:spPr>
-        <p:txBody>
-          <a:bodyPr/>
-          <a:lstStyle/>
-          <a:p>
-            <a:r>
-              <a:rPr lang="pt-BR"/>
-              <a:t>Média semanal de passageiros</a:t>
-            </a:r>
-          </a:p>
-        </p:txBody>
-      </p:sp>
-      <p:sp>
-        <p:nvSpPr>
-          <p:cNvPr id="5" name="Title 1">
-            <a:extLst>
-              <a:ext uri="{FF2B5EF4-FFF2-40B4-BE49-F238E27FC236}">
-                <a16:creationId xmlns:a16="http://schemas.microsoft.com/office/drawing/2014/main" id="{7E1E5A18-2C6F-4341-B32A-71CC68A18D0F}"/>
-              </a:ext>
-            </a:extLst>
-          </p:cNvPr>
-          <p:cNvSpPr txBox="1">
-            <a:spLocks/>
-          </p:cNvSpPr>
-          <p:nvPr/>
-        </p:nvSpPr>
-        <p:spPr>
-          <a:xfrm>
-            <a:off x="990600" y="517525"/>
-            <a:ext cx="10515600" cy="1325563"/>
-          </a:xfrm>
-          <a:prstGeom prst="rect">
-            <a:avLst/>
-          </a:prstGeom>
-        </p:spPr>
-        <p:txBody>
-          <a:bodyPr vert="horz" lIns="91440" tIns="45720" rIns="91440" bIns="45720" rtlCol="0" anchor="ctr">
-            <a:normAutofit/>
-          </a:bodyPr>
-          <a:lstStyle>
-            <a:lvl1pPr algn="l" defTabSz="914400" rtl="0" eaLnBrk="1" latinLnBrk="0" hangingPunct="1">
-              <a:lnSpc>
-                <a:spcPct val="90000"/>
-              </a:lnSpc>
-              <a:spcBef>
-                <a:spcPct val="0"/>
-              </a:spcBef>
-              <a:buNone/>
-              <a:defRPr sz="4400" kern="1200">
-                <a:solidFill>
-                  <a:schemeClr val="tx1">
-                    <a:lumMod val="75000"/>
-                    <a:lumOff val="25000"/>
-                  </a:schemeClr>
-                </a:solidFill>
-                <a:effectLst>
-                  <a:outerShdw blurRad="50800" dist="38100" dir="13500000" algn="br" rotWithShape="0">
-                    <a:prstClr val="black">
-                      <a:alpha val="40000"/>
-                    </a:prstClr>
-                  </a:outerShdw>
-                </a:effectLst>
-                <a:latin typeface="+mj-lt"/>
-                <a:ea typeface="+mj-ea"/>
-                <a:cs typeface="+mj-cs"/>
-              </a:defRPr>
-            </a:lvl1pPr>
-          </a:lstStyle>
-          <a:p>
-            <a:r>
-              <a:rPr lang="en-US" dirty="0" err="1"/>
-              <a:t>Evolução</a:t>
-            </a:r>
-            <a:r>
-              <a:rPr lang="en-US" dirty="0"/>
-              <a:t> de </a:t>
-            </a:r>
-            <a:r>
-              <a:rPr lang="en-US" dirty="0" err="1"/>
-              <a:t>Passageiros</a:t>
-            </a:r>
-            <a:r>
-              <a:rPr lang="en-US" dirty="0"/>
-              <a:t> de </a:t>
-            </a:r>
-            <a:r>
-              <a:rPr lang="en-US" dirty="0" err="1"/>
-              <a:t>Ônibus</a:t>
-            </a:r>
-            <a:endParaRPr lang="en-US" dirty="0"/>
-          </a:p>
-        </p:txBody>
-      </p:sp>
-      <p:sp>
-        <p:nvSpPr>
-          <p:cNvPr id="6" name="CaixaDeTexto 5">
-            <a:extLst>
-              <a:ext uri="{FF2B5EF4-FFF2-40B4-BE49-F238E27FC236}">
-                <a16:creationId xmlns:a16="http://schemas.microsoft.com/office/drawing/2014/main" id="{DB8045A5-26FA-4666-A5C1-28F6635009EE}"/>
-              </a:ext>
-            </a:extLst>
-          </p:cNvPr>
-          <p:cNvSpPr txBox="1"/>
-          <p:nvPr/>
-        </p:nvSpPr>
-        <p:spPr>
-          <a:xfrm flipH="1">
-            <a:off x="9214770" y="6250488"/>
-            <a:ext cx="1933393" cy="369332"/>
-          </a:xfrm>
-          <a:prstGeom prst="rect">
-            <a:avLst/>
-          </a:prstGeom>
-          <a:noFill/>
-        </p:spPr>
-        <p:txBody>
-          <a:bodyPr wrap="square" rtlCol="0">
-            <a:spAutoFit/>
-          </a:bodyPr>
-          <a:lstStyle/>
-          <a:p>
-            <a:r>
-              <a:rPr lang="pt-BR" dirty="0"/>
-              <a:t>Fonte: SPTrans</a:t>
-            </a:r>
-          </a:p>
-        </p:txBody>
-      </p:sp>
-    </p:spTree>
-  </p:cSld>
-  <p:clrMapOvr>
-    <a:masterClrMapping/>
-  </p:clrMapOvr>
-</p:sld>
-</file>
-
-<file path=ppt/slides/slide8.xml><?xml version="1.0" encoding="utf-8"?>
+<file path=ppt/slides/slide11.xml><?xml version="1.0" encoding="utf-8"?>
 <p:sld xmlns:a="http://schemas.openxmlformats.org/drawingml/2006/main" xmlns:r="http://schemas.openxmlformats.org/officeDocument/2006/relationships" xmlns:p="http://schemas.openxmlformats.org/presentationml/2006/main">
   <p:cSld>
     <p:spTree>
@@ -5353,7 +4564,7 @@
           <a:lstStyle/>
           <a:p>
             <a:r>
-              <a:rPr lang="pt-BR" dirty="0"/>
+              <a:rPr lang="pt-BR" i="1" dirty="0"/>
               <a:t>Fonte: Metrô SP</a:t>
             </a:r>
           </a:p>
@@ -5363,6 +4574,2112 @@
     <p:extLst>
       <p:ext uri="{BB962C8B-B14F-4D97-AF65-F5344CB8AC3E}">
         <p14:creationId xmlns:p14="http://schemas.microsoft.com/office/powerpoint/2010/main" val="2639436697"/>
+      </p:ext>
+    </p:extLst>
+  </p:cSld>
+  <p:clrMapOvr>
+    <a:masterClrMapping/>
+  </p:clrMapOvr>
+</p:sld>
+</file>
+
+<file path=ppt/slides/slide12.xml><?xml version="1.0" encoding="utf-8"?>
+<p:sld xmlns:a="http://schemas.openxmlformats.org/drawingml/2006/main" xmlns:r="http://schemas.openxmlformats.org/officeDocument/2006/relationships" xmlns:p="http://schemas.openxmlformats.org/presentationml/2006/main">
+  <p:cSld>
+    <p:spTree>
+      <p:nvGrpSpPr>
+        <p:cNvPr id="1" name=""/>
+        <p:cNvGrpSpPr/>
+        <p:nvPr/>
+      </p:nvGrpSpPr>
+      <p:grpSpPr>
+        <a:xfrm>
+          <a:off x="0" y="0"/>
+          <a:ext cx="0" cy="0"/>
+          <a:chOff x="0" y="0"/>
+          <a:chExt cx="0" cy="0"/>
+        </a:xfrm>
+      </p:grpSpPr>
+      <p:sp>
+        <p:nvSpPr>
+          <p:cNvPr id="2" name="Título 1">
+            <a:extLst>
+              <a:ext uri="{FF2B5EF4-FFF2-40B4-BE49-F238E27FC236}">
+                <a16:creationId xmlns:a16="http://schemas.microsoft.com/office/drawing/2014/main" id="{CF2791AD-528A-4978-9D95-6E1E3E0E155F}"/>
+              </a:ext>
+            </a:extLst>
+          </p:cNvPr>
+          <p:cNvSpPr>
+            <a:spLocks noGrp="1"/>
+          </p:cNvSpPr>
+          <p:nvPr>
+            <p:ph type="title"/>
+          </p:nvPr>
+        </p:nvSpPr>
+        <p:spPr/>
+        <p:txBody>
+          <a:bodyPr/>
+          <a:lstStyle/>
+          <a:p>
+            <a:r>
+              <a:rPr lang="pt-BR" dirty="0"/>
+              <a:t>Considerações Finais</a:t>
+            </a:r>
+          </a:p>
+        </p:txBody>
+      </p:sp>
+      <p:sp>
+        <p:nvSpPr>
+          <p:cNvPr id="3" name="Espaço Reservado para Conteúdo 2">
+            <a:extLst>
+              <a:ext uri="{FF2B5EF4-FFF2-40B4-BE49-F238E27FC236}">
+                <a16:creationId xmlns:a16="http://schemas.microsoft.com/office/drawing/2014/main" id="{1152E43D-E2A1-4EBB-94E0-BA8259A223A8}"/>
+              </a:ext>
+            </a:extLst>
+          </p:cNvPr>
+          <p:cNvSpPr>
+            <a:spLocks noGrp="1"/>
+          </p:cNvSpPr>
+          <p:nvPr>
+            <p:ph idx="1"/>
+          </p:nvPr>
+        </p:nvSpPr>
+        <p:spPr/>
+        <p:txBody>
+          <a:bodyPr/>
+          <a:lstStyle/>
+          <a:p>
+            <a:r>
+              <a:rPr lang="pt-BR" dirty="0"/>
+              <a:t>Apesar da redução de passageiros, não houve aumento no número de passageiros de metrô</a:t>
+            </a:r>
+          </a:p>
+          <a:p>
+            <a:endParaRPr lang="pt-BR" dirty="0"/>
+          </a:p>
+          <a:p>
+            <a:r>
+              <a:rPr lang="pt-BR" dirty="0"/>
+              <a:t>Algumas possíveis causas para essa redução:</a:t>
+            </a:r>
+          </a:p>
+          <a:p>
+            <a:pPr lvl="1"/>
+            <a:r>
+              <a:rPr lang="pt-BR" dirty="0"/>
+              <a:t>Popularização do uso de aplicativos de transporte</a:t>
+            </a:r>
+          </a:p>
+          <a:p>
+            <a:pPr lvl="1"/>
+            <a:r>
+              <a:rPr lang="pt-BR" dirty="0"/>
+              <a:t>Maior utilização de bicicletas e afins</a:t>
+            </a:r>
+          </a:p>
+          <a:p>
+            <a:pPr lvl="1"/>
+            <a:r>
+              <a:rPr lang="pt-BR" dirty="0"/>
+              <a:t>Maior oferta de empregos em bairros afastados do centro</a:t>
+            </a:r>
+          </a:p>
+        </p:txBody>
+      </p:sp>
+    </p:spTree>
+    <p:extLst>
+      <p:ext uri="{BB962C8B-B14F-4D97-AF65-F5344CB8AC3E}">
+        <p14:creationId xmlns:p14="http://schemas.microsoft.com/office/powerpoint/2010/main" val="3908211915"/>
+      </p:ext>
+    </p:extLst>
+  </p:cSld>
+  <p:clrMapOvr>
+    <a:masterClrMapping/>
+  </p:clrMapOvr>
+</p:sld>
+</file>
+
+<file path=ppt/slides/slide13.xml><?xml version="1.0" encoding="utf-8"?>
+<p:sld xmlns:a="http://schemas.openxmlformats.org/drawingml/2006/main" xmlns:r="http://schemas.openxmlformats.org/officeDocument/2006/relationships" xmlns:p="http://schemas.openxmlformats.org/presentationml/2006/main">
+  <p:cSld>
+    <p:spTree>
+      <p:nvGrpSpPr>
+        <p:cNvPr id="1" name=""/>
+        <p:cNvGrpSpPr/>
+        <p:nvPr/>
+      </p:nvGrpSpPr>
+      <p:grpSpPr>
+        <a:xfrm>
+          <a:off x="0" y="0"/>
+          <a:ext cx="0" cy="0"/>
+          <a:chOff x="0" y="0"/>
+          <a:chExt cx="0" cy="0"/>
+        </a:xfrm>
+      </p:grpSpPr>
+      <p:sp>
+        <p:nvSpPr>
+          <p:cNvPr id="2" name="Espaço Reservado para Conteúdo 2">
+            <a:extLst>
+              <a:ext uri="{FF2B5EF4-FFF2-40B4-BE49-F238E27FC236}">
+                <a16:creationId xmlns:a16="http://schemas.microsoft.com/office/drawing/2014/main" id="{3F6D814B-4C30-4A37-AD66-6E8B8B3CBFCD}"/>
+              </a:ext>
+            </a:extLst>
+          </p:cNvPr>
+          <p:cNvSpPr txBox="1">
+            <a:spLocks/>
+          </p:cNvSpPr>
+          <p:nvPr/>
+        </p:nvSpPr>
+        <p:spPr>
+          <a:xfrm>
+            <a:off x="838200" y="3151840"/>
+            <a:ext cx="10515600" cy="554320"/>
+          </a:xfrm>
+          <a:prstGeom prst="rect">
+            <a:avLst/>
+          </a:prstGeom>
+        </p:spPr>
+        <p:txBody>
+          <a:bodyPr/>
+          <a:lstStyle>
+            <a:lvl1pPr marL="228600" indent="-228600" algn="l" defTabSz="914400" rtl="0" eaLnBrk="1" latinLnBrk="0" hangingPunct="1">
+              <a:lnSpc>
+                <a:spcPct val="90000"/>
+              </a:lnSpc>
+              <a:spcBef>
+                <a:spcPts val="1000"/>
+              </a:spcBef>
+              <a:buFont typeface="Arial" panose="020B0604020202020204" pitchFamily="34" charset="0"/>
+              <a:buChar char="•"/>
+              <a:defRPr sz="2800" kern="1200">
+                <a:solidFill>
+                  <a:schemeClr val="accent6">
+                    <a:lumMod val="40000"/>
+                    <a:lumOff val="60000"/>
+                  </a:schemeClr>
+                </a:solidFill>
+                <a:latin typeface="+mn-lt"/>
+                <a:ea typeface="+mn-ea"/>
+                <a:cs typeface="+mn-cs"/>
+              </a:defRPr>
+            </a:lvl1pPr>
+            <a:lvl2pPr marL="685800" indent="-228600" algn="l" defTabSz="914400" rtl="0" eaLnBrk="1" latinLnBrk="0" hangingPunct="1">
+              <a:lnSpc>
+                <a:spcPct val="90000"/>
+              </a:lnSpc>
+              <a:spcBef>
+                <a:spcPts val="500"/>
+              </a:spcBef>
+              <a:buFont typeface="Arial" panose="020B0604020202020204" pitchFamily="34" charset="0"/>
+              <a:buChar char="•"/>
+              <a:defRPr sz="2400" kern="1200">
+                <a:solidFill>
+                  <a:schemeClr val="accent6">
+                    <a:lumMod val="40000"/>
+                    <a:lumOff val="60000"/>
+                  </a:schemeClr>
+                </a:solidFill>
+                <a:latin typeface="+mn-lt"/>
+                <a:ea typeface="+mn-ea"/>
+                <a:cs typeface="+mn-cs"/>
+              </a:defRPr>
+            </a:lvl2pPr>
+            <a:lvl3pPr marL="1143000" indent="-228600" algn="l" defTabSz="914400" rtl="0" eaLnBrk="1" latinLnBrk="0" hangingPunct="1">
+              <a:lnSpc>
+                <a:spcPct val="90000"/>
+              </a:lnSpc>
+              <a:spcBef>
+                <a:spcPts val="500"/>
+              </a:spcBef>
+              <a:buFont typeface="Arial" panose="020B0604020202020204" pitchFamily="34" charset="0"/>
+              <a:buChar char="•"/>
+              <a:defRPr sz="2000" kern="1200">
+                <a:solidFill>
+                  <a:schemeClr val="accent6">
+                    <a:lumMod val="40000"/>
+                    <a:lumOff val="60000"/>
+                  </a:schemeClr>
+                </a:solidFill>
+                <a:latin typeface="+mn-lt"/>
+                <a:ea typeface="+mn-ea"/>
+                <a:cs typeface="+mn-cs"/>
+              </a:defRPr>
+            </a:lvl3pPr>
+            <a:lvl4pPr marL="1600200" indent="-228600" algn="l" defTabSz="914400" rtl="0" eaLnBrk="1" latinLnBrk="0" hangingPunct="1">
+              <a:lnSpc>
+                <a:spcPct val="90000"/>
+              </a:lnSpc>
+              <a:spcBef>
+                <a:spcPts val="500"/>
+              </a:spcBef>
+              <a:buFont typeface="Arial" panose="020B0604020202020204" pitchFamily="34" charset="0"/>
+              <a:buChar char="•"/>
+              <a:defRPr sz="1800" kern="1200">
+                <a:solidFill>
+                  <a:schemeClr val="accent6">
+                    <a:lumMod val="40000"/>
+                    <a:lumOff val="60000"/>
+                  </a:schemeClr>
+                </a:solidFill>
+                <a:latin typeface="+mn-lt"/>
+                <a:ea typeface="+mn-ea"/>
+                <a:cs typeface="+mn-cs"/>
+              </a:defRPr>
+            </a:lvl4pPr>
+            <a:lvl5pPr marL="2057400" indent="-228600" algn="l" defTabSz="914400" rtl="0" eaLnBrk="1" latinLnBrk="0" hangingPunct="1">
+              <a:lnSpc>
+                <a:spcPct val="90000"/>
+              </a:lnSpc>
+              <a:spcBef>
+                <a:spcPts val="500"/>
+              </a:spcBef>
+              <a:buFont typeface="Arial" panose="020B0604020202020204" pitchFamily="34" charset="0"/>
+              <a:buChar char="•"/>
+              <a:defRPr sz="1800" kern="1200">
+                <a:solidFill>
+                  <a:schemeClr val="accent6">
+                    <a:lumMod val="40000"/>
+                    <a:lumOff val="60000"/>
+                  </a:schemeClr>
+                </a:solidFill>
+                <a:latin typeface="+mn-lt"/>
+                <a:ea typeface="+mn-ea"/>
+                <a:cs typeface="+mn-cs"/>
+              </a:defRPr>
+            </a:lvl5pPr>
+            <a:lvl6pPr marL="2514600" indent="-228600" algn="l" defTabSz="914400" rtl="0" eaLnBrk="1" latinLnBrk="0" hangingPunct="1">
+              <a:lnSpc>
+                <a:spcPct val="90000"/>
+              </a:lnSpc>
+              <a:spcBef>
+                <a:spcPts val="500"/>
+              </a:spcBef>
+              <a:buFont typeface="Arial" panose="020B0604020202020204" pitchFamily="34" charset="0"/>
+              <a:buChar char="•"/>
+              <a:defRPr sz="1800" kern="1200">
+                <a:solidFill>
+                  <a:schemeClr val="tx1"/>
+                </a:solidFill>
+                <a:latin typeface="+mn-lt"/>
+                <a:ea typeface="+mn-ea"/>
+                <a:cs typeface="+mn-cs"/>
+              </a:defRPr>
+            </a:lvl6pPr>
+            <a:lvl7pPr marL="2971800" indent="-228600" algn="l" defTabSz="914400" rtl="0" eaLnBrk="1" latinLnBrk="0" hangingPunct="1">
+              <a:lnSpc>
+                <a:spcPct val="90000"/>
+              </a:lnSpc>
+              <a:spcBef>
+                <a:spcPts val="500"/>
+              </a:spcBef>
+              <a:buFont typeface="Arial" panose="020B0604020202020204" pitchFamily="34" charset="0"/>
+              <a:buChar char="•"/>
+              <a:defRPr sz="1800" kern="1200">
+                <a:solidFill>
+                  <a:schemeClr val="tx1"/>
+                </a:solidFill>
+                <a:latin typeface="+mn-lt"/>
+                <a:ea typeface="+mn-ea"/>
+                <a:cs typeface="+mn-cs"/>
+              </a:defRPr>
+            </a:lvl7pPr>
+            <a:lvl8pPr marL="3429000" indent="-228600" algn="l" defTabSz="914400" rtl="0" eaLnBrk="1" latinLnBrk="0" hangingPunct="1">
+              <a:lnSpc>
+                <a:spcPct val="90000"/>
+              </a:lnSpc>
+              <a:spcBef>
+                <a:spcPts val="500"/>
+              </a:spcBef>
+              <a:buFont typeface="Arial" panose="020B0604020202020204" pitchFamily="34" charset="0"/>
+              <a:buChar char="•"/>
+              <a:defRPr sz="1800" kern="1200">
+                <a:solidFill>
+                  <a:schemeClr val="tx1"/>
+                </a:solidFill>
+                <a:latin typeface="+mn-lt"/>
+                <a:ea typeface="+mn-ea"/>
+                <a:cs typeface="+mn-cs"/>
+              </a:defRPr>
+            </a:lvl8pPr>
+            <a:lvl9pPr marL="3886200" indent="-228600" algn="l" defTabSz="914400" rtl="0" eaLnBrk="1" latinLnBrk="0" hangingPunct="1">
+              <a:lnSpc>
+                <a:spcPct val="90000"/>
+              </a:lnSpc>
+              <a:spcBef>
+                <a:spcPts val="500"/>
+              </a:spcBef>
+              <a:buFont typeface="Arial" panose="020B0604020202020204" pitchFamily="34" charset="0"/>
+              <a:buChar char="•"/>
+              <a:defRPr sz="1800" kern="1200">
+                <a:solidFill>
+                  <a:schemeClr val="tx1"/>
+                </a:solidFill>
+                <a:latin typeface="+mn-lt"/>
+                <a:ea typeface="+mn-ea"/>
+                <a:cs typeface="+mn-cs"/>
+              </a:defRPr>
+            </a:lvl9pPr>
+          </a:lstStyle>
+          <a:p>
+            <a:pPr marL="0" indent="0" algn="ctr">
+              <a:buNone/>
+            </a:pPr>
+            <a:r>
+              <a:rPr lang="pt-BR" dirty="0"/>
+              <a:t>Obrigada!</a:t>
+            </a:r>
+          </a:p>
+        </p:txBody>
+      </p:sp>
+    </p:spTree>
+    <p:extLst>
+      <p:ext uri="{BB962C8B-B14F-4D97-AF65-F5344CB8AC3E}">
+        <p14:creationId xmlns:p14="http://schemas.microsoft.com/office/powerpoint/2010/main" val="610820854"/>
+      </p:ext>
+    </p:extLst>
+  </p:cSld>
+  <p:clrMapOvr>
+    <a:masterClrMapping/>
+  </p:clrMapOvr>
+</p:sld>
+</file>
+
+<file path=ppt/slides/slide2.xml><?xml version="1.0" encoding="utf-8"?>
+<p:sld xmlns:a="http://schemas.openxmlformats.org/drawingml/2006/main" xmlns:r="http://schemas.openxmlformats.org/officeDocument/2006/relationships" xmlns:p="http://schemas.openxmlformats.org/presentationml/2006/main">
+  <p:cSld>
+    <p:spTree>
+      <p:nvGrpSpPr>
+        <p:cNvPr id="1" name=""/>
+        <p:cNvGrpSpPr/>
+        <p:nvPr/>
+      </p:nvGrpSpPr>
+      <p:grpSpPr>
+        <a:xfrm>
+          <a:off x="0" y="0"/>
+          <a:ext cx="0" cy="0"/>
+          <a:chOff x="0" y="0"/>
+          <a:chExt cx="0" cy="0"/>
+        </a:xfrm>
+      </p:grpSpPr>
+      <p:sp>
+        <p:nvSpPr>
+          <p:cNvPr id="2" name="Título 1">
+            <a:extLst>
+              <a:ext uri="{FF2B5EF4-FFF2-40B4-BE49-F238E27FC236}">
+                <a16:creationId xmlns:a16="http://schemas.microsoft.com/office/drawing/2014/main" id="{6CC3E245-62A9-4EEF-A572-427BAC75098F}"/>
+              </a:ext>
+            </a:extLst>
+          </p:cNvPr>
+          <p:cNvSpPr>
+            <a:spLocks noGrp="1"/>
+          </p:cNvSpPr>
+          <p:nvPr>
+            <p:ph type="title"/>
+          </p:nvPr>
+        </p:nvSpPr>
+        <p:spPr/>
+        <p:txBody>
+          <a:bodyPr/>
+          <a:lstStyle/>
+          <a:p>
+            <a:r>
+              <a:rPr lang="pt-BR" dirty="0"/>
+              <a:t>Meios de Transporte: Ônibus</a:t>
+            </a:r>
+          </a:p>
+        </p:txBody>
+      </p:sp>
+      <p:sp>
+        <p:nvSpPr>
+          <p:cNvPr id="3" name="Espaço Reservado para Conteúdo 2">
+            <a:extLst>
+              <a:ext uri="{FF2B5EF4-FFF2-40B4-BE49-F238E27FC236}">
+                <a16:creationId xmlns:a16="http://schemas.microsoft.com/office/drawing/2014/main" id="{C60DF6BD-F16A-4B51-B065-DCB827AD4ED9}"/>
+              </a:ext>
+            </a:extLst>
+          </p:cNvPr>
+          <p:cNvSpPr>
+            <a:spLocks noGrp="1"/>
+          </p:cNvSpPr>
+          <p:nvPr>
+            <p:ph idx="1"/>
+          </p:nvPr>
+        </p:nvSpPr>
+        <p:spPr/>
+        <p:txBody>
+          <a:bodyPr/>
+          <a:lstStyle/>
+          <a:p>
+            <a:r>
+              <a:rPr lang="pt-BR" dirty="0"/>
+              <a:t>São Paulo</a:t>
+            </a:r>
+          </a:p>
+          <a:p>
+            <a:pPr lvl="1"/>
+            <a:r>
+              <a:rPr lang="pt-BR" dirty="0"/>
+              <a:t>População estimada (2020): 12.325.232 pessoas</a:t>
+            </a:r>
+          </a:p>
+          <a:p>
+            <a:pPr lvl="1"/>
+            <a:r>
+              <a:rPr lang="pt-BR" dirty="0"/>
+              <a:t>População no último censo (2010): 11.253.503 pessoas</a:t>
+            </a:r>
+          </a:p>
+          <a:p>
+            <a:endParaRPr lang="pt-BR" dirty="0"/>
+          </a:p>
+          <a:p>
+            <a:r>
+              <a:rPr lang="pt-BR" dirty="0"/>
+              <a:t>“São transportados, em média, 10 milhões de passageiros por dia, em uma frota que compreende 14.500 coletivos cadastrados, que percorrem, em dias úteis, 3 milhões de quilômetros, isso significa 74 voltas ao redor da terra. Esses ônibus realizam 200mil viagens programadas nos dias úteis e estão distribuídos em 1.300 linhas (...)”</a:t>
+            </a:r>
+          </a:p>
+        </p:txBody>
+      </p:sp>
+      <p:sp>
+        <p:nvSpPr>
+          <p:cNvPr id="4" name="CaixaDeTexto 3">
+            <a:extLst>
+              <a:ext uri="{FF2B5EF4-FFF2-40B4-BE49-F238E27FC236}">
+                <a16:creationId xmlns:a16="http://schemas.microsoft.com/office/drawing/2014/main" id="{3B44876B-3344-4AEF-8BB7-FA1CD35B3BA6}"/>
+              </a:ext>
+            </a:extLst>
+          </p:cNvPr>
+          <p:cNvSpPr txBox="1"/>
+          <p:nvPr/>
+        </p:nvSpPr>
+        <p:spPr>
+          <a:xfrm flipH="1">
+            <a:off x="9494728" y="6288066"/>
+            <a:ext cx="2517730" cy="369332"/>
+          </a:xfrm>
+          <a:prstGeom prst="rect">
+            <a:avLst/>
+          </a:prstGeom>
+          <a:noFill/>
+        </p:spPr>
+        <p:txBody>
+          <a:bodyPr wrap="square" rtlCol="0">
+            <a:spAutoFit/>
+          </a:bodyPr>
+          <a:lstStyle/>
+          <a:p>
+            <a:r>
+              <a:rPr lang="pt-BR" i="1" dirty="0"/>
+              <a:t>Fontes: IBGE e SPTrans</a:t>
+            </a:r>
+          </a:p>
+        </p:txBody>
+      </p:sp>
+    </p:spTree>
+    <p:extLst>
+      <p:ext uri="{BB962C8B-B14F-4D97-AF65-F5344CB8AC3E}">
+        <p14:creationId xmlns:p14="http://schemas.microsoft.com/office/powerpoint/2010/main" val="125099018"/>
+      </p:ext>
+    </p:extLst>
+  </p:cSld>
+  <p:clrMapOvr>
+    <a:masterClrMapping/>
+  </p:clrMapOvr>
+</p:sld>
+</file>
+
+<file path=ppt/slides/slide3.xml><?xml version="1.0" encoding="utf-8"?>
+<p:sld xmlns:a="http://schemas.openxmlformats.org/drawingml/2006/main" xmlns:r="http://schemas.openxmlformats.org/officeDocument/2006/relationships" xmlns:p="http://schemas.openxmlformats.org/presentationml/2006/main">
+  <p:cSld>
+    <p:spTree>
+      <p:nvGrpSpPr>
+        <p:cNvPr id="1" name=""/>
+        <p:cNvGrpSpPr/>
+        <p:nvPr/>
+      </p:nvGrpSpPr>
+      <p:grpSpPr>
+        <a:xfrm>
+          <a:off x="0" y="0"/>
+          <a:ext cx="0" cy="0"/>
+          <a:chOff x="0" y="0"/>
+          <a:chExt cx="0" cy="0"/>
+        </a:xfrm>
+      </p:grpSpPr>
+      <p:sp>
+        <p:nvSpPr>
+          <p:cNvPr id="2" name="Título 1">
+            <a:extLst>
+              <a:ext uri="{FF2B5EF4-FFF2-40B4-BE49-F238E27FC236}">
+                <a16:creationId xmlns:a16="http://schemas.microsoft.com/office/drawing/2014/main" id="{6CC3E245-62A9-4EEF-A572-427BAC75098F}"/>
+              </a:ext>
+            </a:extLst>
+          </p:cNvPr>
+          <p:cNvSpPr>
+            <a:spLocks noGrp="1"/>
+          </p:cNvSpPr>
+          <p:nvPr>
+            <p:ph type="title"/>
+          </p:nvPr>
+        </p:nvSpPr>
+        <p:spPr/>
+        <p:txBody>
+          <a:bodyPr/>
+          <a:lstStyle/>
+          <a:p>
+            <a:r>
+              <a:rPr lang="pt-BR" dirty="0"/>
+              <a:t>Meios de Transporte: Ônibus</a:t>
+            </a:r>
+          </a:p>
+        </p:txBody>
+      </p:sp>
+      <p:sp>
+        <p:nvSpPr>
+          <p:cNvPr id="3" name="Espaço Reservado para Conteúdo 2">
+            <a:extLst>
+              <a:ext uri="{FF2B5EF4-FFF2-40B4-BE49-F238E27FC236}">
+                <a16:creationId xmlns:a16="http://schemas.microsoft.com/office/drawing/2014/main" id="{C60DF6BD-F16A-4B51-B065-DCB827AD4ED9}"/>
+              </a:ext>
+            </a:extLst>
+          </p:cNvPr>
+          <p:cNvSpPr>
+            <a:spLocks noGrp="1"/>
+          </p:cNvSpPr>
+          <p:nvPr>
+            <p:ph idx="1"/>
+          </p:nvPr>
+        </p:nvSpPr>
+        <p:spPr/>
+        <p:txBody>
+          <a:bodyPr/>
+          <a:lstStyle/>
+          <a:p>
+            <a:r>
+              <a:rPr lang="pt-BR" dirty="0"/>
+              <a:t>Estatísticas de ônibus</a:t>
+            </a:r>
+          </a:p>
+          <a:p>
+            <a:pPr lvl="1"/>
+            <a:r>
+              <a:rPr lang="pt-BR" dirty="0"/>
+              <a:t>Total de linhas: 1.336</a:t>
+            </a:r>
+          </a:p>
+          <a:p>
+            <a:pPr lvl="1"/>
+            <a:r>
+              <a:rPr lang="pt-BR" dirty="0"/>
+              <a:t>Frota: 12.815</a:t>
+            </a:r>
+          </a:p>
+          <a:p>
+            <a:pPr lvl="1"/>
+            <a:r>
+              <a:rPr lang="pt-BR" dirty="0"/>
+              <a:t>Média de passageiros transportados em dia útil: 8,7 mil</a:t>
+            </a:r>
+          </a:p>
+          <a:p>
+            <a:pPr lvl="1"/>
+            <a:r>
+              <a:rPr lang="pt-BR" dirty="0"/>
+              <a:t>Total mensal de passageiros transportados: 159,45 mil</a:t>
+            </a:r>
+          </a:p>
+          <a:p>
+            <a:pPr lvl="1"/>
+            <a:r>
+              <a:rPr lang="pt-BR" dirty="0"/>
+              <a:t>(Referência mar/20)</a:t>
+            </a:r>
+          </a:p>
+        </p:txBody>
+      </p:sp>
+      <p:sp>
+        <p:nvSpPr>
+          <p:cNvPr id="4" name="CaixaDeTexto 3">
+            <a:extLst>
+              <a:ext uri="{FF2B5EF4-FFF2-40B4-BE49-F238E27FC236}">
+                <a16:creationId xmlns:a16="http://schemas.microsoft.com/office/drawing/2014/main" id="{3B44876B-3344-4AEF-8BB7-FA1CD35B3BA6}"/>
+              </a:ext>
+            </a:extLst>
+          </p:cNvPr>
+          <p:cNvSpPr txBox="1"/>
+          <p:nvPr/>
+        </p:nvSpPr>
+        <p:spPr>
+          <a:xfrm flipH="1">
+            <a:off x="10158606" y="6288066"/>
+            <a:ext cx="1791224" cy="369332"/>
+          </a:xfrm>
+          <a:prstGeom prst="rect">
+            <a:avLst/>
+          </a:prstGeom>
+          <a:noFill/>
+        </p:spPr>
+        <p:txBody>
+          <a:bodyPr wrap="square" rtlCol="0">
+            <a:spAutoFit/>
+          </a:bodyPr>
+          <a:lstStyle/>
+          <a:p>
+            <a:r>
+              <a:rPr lang="pt-BR" i="1" dirty="0"/>
+              <a:t>Fonte: SPTrans</a:t>
+            </a:r>
+          </a:p>
+        </p:txBody>
+      </p:sp>
+    </p:spTree>
+    <p:extLst>
+      <p:ext uri="{BB962C8B-B14F-4D97-AF65-F5344CB8AC3E}">
+        <p14:creationId xmlns:p14="http://schemas.microsoft.com/office/powerpoint/2010/main" val="326411097"/>
+      </p:ext>
+    </p:extLst>
+  </p:cSld>
+  <p:clrMapOvr>
+    <a:masterClrMapping/>
+  </p:clrMapOvr>
+</p:sld>
+</file>
+
+<file path=ppt/slides/slide4.xml><?xml version="1.0" encoding="utf-8"?>
+<p:sld xmlns:a="http://schemas.openxmlformats.org/drawingml/2006/main" xmlns:r="http://schemas.openxmlformats.org/officeDocument/2006/relationships" xmlns:p="http://schemas.openxmlformats.org/presentationml/2006/main">
+  <p:cSld>
+    <p:spTree>
+      <p:nvGrpSpPr>
+        <p:cNvPr id="1" name=""/>
+        <p:cNvGrpSpPr/>
+        <p:nvPr/>
+      </p:nvGrpSpPr>
+      <p:grpSpPr>
+        <a:xfrm>
+          <a:off x="0" y="0"/>
+          <a:ext cx="0" cy="0"/>
+          <a:chOff x="0" y="0"/>
+          <a:chExt cx="0" cy="0"/>
+        </a:xfrm>
+      </p:grpSpPr>
+      <p:pic>
+        <p:nvPicPr>
+          <p:cNvPr id="7" name="Picture" title="This slide contains the following visuals: Média de passageiros por trimestre. Please refer to the notes on this slide for details.">
+            <a:hlinkClick r:id="rId2"/>
+            <a:extLst>
+              <a:ext uri="{FF2B5EF4-FFF2-40B4-BE49-F238E27FC236}">
+                <a16:creationId xmlns:a16="http://schemas.microsoft.com/office/drawing/2014/main" id="{39EAD45A-F0C4-40A0-BB48-BB917D98FB38}"/>
+              </a:ext>
+            </a:extLst>
+          </p:cNvPr>
+          <p:cNvPicPr>
+            <a:picLocks noChangeAspect="1"/>
+          </p:cNvPicPr>
+          <p:nvPr/>
+        </p:nvPicPr>
+        <p:blipFill>
+          <a:blip r:embed="rId3">
+            <a:alphaModFix amt="67000"/>
+          </a:blip>
+          <a:stretch>
+            <a:fillRect/>
+          </a:stretch>
+        </p:blipFill>
+        <p:spPr>
+          <a:xfrm>
+            <a:off x="1129429" y="1690688"/>
+            <a:ext cx="9933139" cy="4802187"/>
+          </a:xfrm>
+          <a:prstGeom prst="rect">
+            <a:avLst/>
+          </a:prstGeom>
+          <a:noFill/>
+        </p:spPr>
+      </p:pic>
+      <p:sp>
+        <p:nvSpPr>
+          <p:cNvPr id="2" name="Título 1">
+            <a:extLst>
+              <a:ext uri="{FF2B5EF4-FFF2-40B4-BE49-F238E27FC236}">
+                <a16:creationId xmlns:a16="http://schemas.microsoft.com/office/drawing/2014/main" id="{05DFC718-FFC4-413F-807E-835242E22D2D}"/>
+              </a:ext>
+            </a:extLst>
+          </p:cNvPr>
+          <p:cNvSpPr>
+            <a:spLocks noGrp="1"/>
+          </p:cNvSpPr>
+          <p:nvPr>
+            <p:ph type="title"/>
+          </p:nvPr>
+        </p:nvSpPr>
+        <p:spPr/>
+        <p:txBody>
+          <a:bodyPr/>
+          <a:lstStyle/>
+          <a:p>
+            <a:r>
+              <a:rPr lang="pt-BR" dirty="0"/>
+              <a:t>Dados Históricos de Passageiros de Ônibus</a:t>
+            </a:r>
+          </a:p>
+        </p:txBody>
+      </p:sp>
+      <p:sp>
+        <p:nvSpPr>
+          <p:cNvPr id="5" name="CaixaDeTexto 4">
+            <a:extLst>
+              <a:ext uri="{FF2B5EF4-FFF2-40B4-BE49-F238E27FC236}">
+                <a16:creationId xmlns:a16="http://schemas.microsoft.com/office/drawing/2014/main" id="{6CCC8F59-D3AB-44E1-8B70-370C959E735E}"/>
+              </a:ext>
+            </a:extLst>
+          </p:cNvPr>
+          <p:cNvSpPr txBox="1"/>
+          <p:nvPr/>
+        </p:nvSpPr>
+        <p:spPr>
+          <a:xfrm flipH="1">
+            <a:off x="9527920" y="6463430"/>
+            <a:ext cx="1870764" cy="369518"/>
+          </a:xfrm>
+          <a:prstGeom prst="rect">
+            <a:avLst/>
+          </a:prstGeom>
+          <a:noFill/>
+        </p:spPr>
+        <p:txBody>
+          <a:bodyPr wrap="square" rtlCol="0">
+            <a:spAutoFit/>
+          </a:bodyPr>
+          <a:lstStyle/>
+          <a:p>
+            <a:r>
+              <a:rPr lang="pt-BR" i="1" dirty="0"/>
+              <a:t>Fonte: SPTrans</a:t>
+            </a:r>
+          </a:p>
+        </p:txBody>
+      </p:sp>
+    </p:spTree>
+    <p:extLst>
+      <p:ext uri="{BB962C8B-B14F-4D97-AF65-F5344CB8AC3E}">
+        <p14:creationId xmlns:p14="http://schemas.microsoft.com/office/powerpoint/2010/main" val="1501675405"/>
+      </p:ext>
+    </p:extLst>
+  </p:cSld>
+  <p:clrMapOvr>
+    <a:masterClrMapping/>
+  </p:clrMapOvr>
+</p:sld>
+</file>
+
+<file path=ppt/slides/slide5.xml><?xml version="1.0" encoding="utf-8"?>
+<p:sld xmlns:a="http://schemas.openxmlformats.org/drawingml/2006/main" xmlns:r="http://schemas.openxmlformats.org/officeDocument/2006/relationships" xmlns:p="http://schemas.openxmlformats.org/presentationml/2006/main">
+  <p:cSld>
+    <p:spTree>
+      <p:nvGrpSpPr>
+        <p:cNvPr id="1" name=""/>
+        <p:cNvGrpSpPr/>
+        <p:nvPr/>
+      </p:nvGrpSpPr>
+      <p:grpSpPr>
+        <a:xfrm>
+          <a:off x="0" y="0"/>
+          <a:ext cx="0" cy="0"/>
+          <a:chOff x="0" y="0"/>
+          <a:chExt cx="0" cy="0"/>
+        </a:xfrm>
+      </p:grpSpPr>
+      <p:pic>
+        <p:nvPicPr>
+          <p:cNvPr id="12" name="Picture" title="This slide contains the following visuals: Média de passageiros por mês. Please refer to the notes on this slide for details.">
+            <a:hlinkClick r:id="rId3"/>
+            <a:extLst>
+              <a:ext uri="{FF2B5EF4-FFF2-40B4-BE49-F238E27FC236}">
+                <a16:creationId xmlns:a16="http://schemas.microsoft.com/office/drawing/2014/main" id="{B91AB4E6-818A-4ABE-B071-D4AA4BCD195B}"/>
+              </a:ext>
+            </a:extLst>
+          </p:cNvPr>
+          <p:cNvPicPr>
+            <a:picLocks noChangeAspect="1"/>
+          </p:cNvPicPr>
+          <p:nvPr/>
+        </p:nvPicPr>
+        <p:blipFill rotWithShape="1">
+          <a:blip r:embed="rId4">
+            <a:alphaModFix amt="67000"/>
+          </a:blip>
+          <a:srcRect b="38630"/>
+          <a:stretch/>
+        </p:blipFill>
+        <p:spPr>
+          <a:xfrm>
+            <a:off x="586532" y="2148030"/>
+            <a:ext cx="11143961" cy="3901826"/>
+          </a:xfrm>
+          <a:prstGeom prst="rect">
+            <a:avLst/>
+          </a:prstGeom>
+          <a:noFill/>
+        </p:spPr>
+      </p:pic>
+      <p:sp>
+        <p:nvSpPr>
+          <p:cNvPr id="4" name="Title" hidden="1"/>
+          <p:cNvSpPr>
+            <a:spLocks noGrp="1"/>
+          </p:cNvSpPr>
+          <p:nvPr>
+            <p:ph type="title"/>
+          </p:nvPr>
+        </p:nvSpPr>
+        <p:spPr/>
+        <p:txBody>
+          <a:bodyPr/>
+          <a:lstStyle/>
+          <a:p>
+            <a:r>
+              <a:t>Passageiros por mês</a:t>
+            </a:r>
+          </a:p>
+        </p:txBody>
+      </p:sp>
+      <p:sp>
+        <p:nvSpPr>
+          <p:cNvPr id="2" name="CaixaDeTexto 1">
+            <a:extLst>
+              <a:ext uri="{FF2B5EF4-FFF2-40B4-BE49-F238E27FC236}">
+                <a16:creationId xmlns:a16="http://schemas.microsoft.com/office/drawing/2014/main" id="{4B228B2A-4016-462D-8D7C-CED940CB41BC}"/>
+              </a:ext>
+            </a:extLst>
+          </p:cNvPr>
+          <p:cNvSpPr txBox="1"/>
+          <p:nvPr/>
+        </p:nvSpPr>
+        <p:spPr>
+          <a:xfrm flipH="1">
+            <a:off x="10196186" y="5987442"/>
+            <a:ext cx="1803746" cy="369332"/>
+          </a:xfrm>
+          <a:prstGeom prst="rect">
+            <a:avLst/>
+          </a:prstGeom>
+          <a:noFill/>
+        </p:spPr>
+        <p:txBody>
+          <a:bodyPr wrap="square" rtlCol="0">
+            <a:spAutoFit/>
+          </a:bodyPr>
+          <a:lstStyle/>
+          <a:p>
+            <a:r>
+              <a:rPr lang="pt-BR" dirty="0"/>
+              <a:t>Fonte: SPTrans</a:t>
+            </a:r>
+          </a:p>
+        </p:txBody>
+      </p:sp>
+      <p:sp>
+        <p:nvSpPr>
+          <p:cNvPr id="7" name="Título 1">
+            <a:extLst>
+              <a:ext uri="{FF2B5EF4-FFF2-40B4-BE49-F238E27FC236}">
+                <a16:creationId xmlns:a16="http://schemas.microsoft.com/office/drawing/2014/main" id="{74B267D6-3EDC-4585-8FBE-005A74EEF571}"/>
+              </a:ext>
+            </a:extLst>
+          </p:cNvPr>
+          <p:cNvSpPr txBox="1">
+            <a:spLocks/>
+          </p:cNvSpPr>
+          <p:nvPr/>
+        </p:nvSpPr>
+        <p:spPr>
+          <a:xfrm>
+            <a:off x="990600" y="517525"/>
+            <a:ext cx="10515600" cy="1325563"/>
+          </a:xfrm>
+          <a:prstGeom prst="rect">
+            <a:avLst/>
+          </a:prstGeom>
+        </p:spPr>
+        <p:txBody>
+          <a:bodyPr vert="horz" lIns="91440" tIns="45720" rIns="91440" bIns="45720" rtlCol="0" anchor="ctr">
+            <a:normAutofit/>
+          </a:bodyPr>
+          <a:lstStyle>
+            <a:lvl1pPr algn="l" defTabSz="914400" rtl="0" eaLnBrk="1" latinLnBrk="0" hangingPunct="1">
+              <a:lnSpc>
+                <a:spcPct val="90000"/>
+              </a:lnSpc>
+              <a:spcBef>
+                <a:spcPct val="0"/>
+              </a:spcBef>
+              <a:buNone/>
+              <a:defRPr sz="4400" kern="1200">
+                <a:solidFill>
+                  <a:schemeClr val="tx1">
+                    <a:lumMod val="75000"/>
+                    <a:lumOff val="25000"/>
+                  </a:schemeClr>
+                </a:solidFill>
+                <a:effectLst>
+                  <a:outerShdw blurRad="50800" dist="38100" dir="13500000" algn="br" rotWithShape="0">
+                    <a:prstClr val="black">
+                      <a:alpha val="40000"/>
+                    </a:prstClr>
+                  </a:outerShdw>
+                </a:effectLst>
+                <a:latin typeface="+mj-lt"/>
+                <a:ea typeface="+mj-ea"/>
+                <a:cs typeface="+mj-cs"/>
+              </a:defRPr>
+            </a:lvl1pPr>
+          </a:lstStyle>
+          <a:p>
+            <a:r>
+              <a:rPr lang="pt-BR"/>
+              <a:t>Dados Históricos de Passageiros de Ônibus</a:t>
+            </a:r>
+            <a:endParaRPr lang="pt-BR" dirty="0"/>
+          </a:p>
+        </p:txBody>
+      </p:sp>
+    </p:spTree>
+  </p:cSld>
+  <p:clrMapOvr>
+    <a:masterClrMapping/>
+  </p:clrMapOvr>
+</p:sld>
+</file>
+
+<file path=ppt/slides/slide6.xml><?xml version="1.0" encoding="utf-8"?>
+<p:sld xmlns:a="http://schemas.openxmlformats.org/drawingml/2006/main" xmlns:r="http://schemas.openxmlformats.org/officeDocument/2006/relationships" xmlns:p="http://schemas.openxmlformats.org/presentationml/2006/main">
+  <p:cSld>
+    <p:spTree>
+      <p:nvGrpSpPr>
+        <p:cNvPr id="1" name=""/>
+        <p:cNvGrpSpPr/>
+        <p:nvPr/>
+      </p:nvGrpSpPr>
+      <p:grpSpPr>
+        <a:xfrm>
+          <a:off x="0" y="0"/>
+          <a:ext cx="0" cy="0"/>
+          <a:chOff x="0" y="0"/>
+          <a:chExt cx="0" cy="0"/>
+        </a:xfrm>
+      </p:grpSpPr>
+      <p:sp>
+        <p:nvSpPr>
+          <p:cNvPr id="4" name="Title" hidden="1"/>
+          <p:cNvSpPr>
+            <a:spLocks noGrp="1"/>
+          </p:cNvSpPr>
+          <p:nvPr>
+            <p:ph type="title"/>
+          </p:nvPr>
+        </p:nvSpPr>
+        <p:spPr>
+          <a:xfrm>
+            <a:off x="838200" y="365125"/>
+            <a:ext cx="10515600" cy="1325563"/>
+          </a:xfrm>
+        </p:spPr>
+        <p:txBody>
+          <a:bodyPr/>
+          <a:lstStyle/>
+          <a:p>
+            <a:r>
+              <a:rPr lang="pt-BR"/>
+              <a:t>Média semanal de passageiros</a:t>
+            </a:r>
+          </a:p>
+        </p:txBody>
+      </p:sp>
+      <p:sp>
+        <p:nvSpPr>
+          <p:cNvPr id="5" name="Title 1">
+            <a:extLst>
+              <a:ext uri="{FF2B5EF4-FFF2-40B4-BE49-F238E27FC236}">
+                <a16:creationId xmlns:a16="http://schemas.microsoft.com/office/drawing/2014/main" id="{7E1E5A18-2C6F-4341-B32A-71CC68A18D0F}"/>
+              </a:ext>
+            </a:extLst>
+          </p:cNvPr>
+          <p:cNvSpPr txBox="1">
+            <a:spLocks/>
+          </p:cNvSpPr>
+          <p:nvPr/>
+        </p:nvSpPr>
+        <p:spPr>
+          <a:xfrm>
+            <a:off x="990600" y="517525"/>
+            <a:ext cx="10515600" cy="1325563"/>
+          </a:xfrm>
+          <a:prstGeom prst="rect">
+            <a:avLst/>
+          </a:prstGeom>
+        </p:spPr>
+        <p:txBody>
+          <a:bodyPr vert="horz" lIns="91440" tIns="45720" rIns="91440" bIns="45720" rtlCol="0" anchor="ctr">
+            <a:normAutofit/>
+          </a:bodyPr>
+          <a:lstStyle>
+            <a:lvl1pPr algn="l" defTabSz="914400" rtl="0" eaLnBrk="1" latinLnBrk="0" hangingPunct="1">
+              <a:lnSpc>
+                <a:spcPct val="90000"/>
+              </a:lnSpc>
+              <a:spcBef>
+                <a:spcPct val="0"/>
+              </a:spcBef>
+              <a:buNone/>
+              <a:defRPr sz="4400" kern="1200">
+                <a:solidFill>
+                  <a:schemeClr val="tx1">
+                    <a:lumMod val="75000"/>
+                    <a:lumOff val="25000"/>
+                  </a:schemeClr>
+                </a:solidFill>
+                <a:effectLst>
+                  <a:outerShdw blurRad="50800" dist="38100" dir="13500000" algn="br" rotWithShape="0">
+                    <a:prstClr val="black">
+                      <a:alpha val="40000"/>
+                    </a:prstClr>
+                  </a:outerShdw>
+                </a:effectLst>
+                <a:latin typeface="+mj-lt"/>
+                <a:ea typeface="+mj-ea"/>
+                <a:cs typeface="+mj-cs"/>
+              </a:defRPr>
+            </a:lvl1pPr>
+          </a:lstStyle>
+          <a:p>
+            <a:r>
+              <a:rPr lang="en-US" dirty="0" err="1"/>
+              <a:t>Evolução</a:t>
+            </a:r>
+            <a:r>
+              <a:rPr lang="en-US" dirty="0"/>
+              <a:t> de </a:t>
+            </a:r>
+            <a:r>
+              <a:rPr lang="en-US" dirty="0" err="1"/>
+              <a:t>Passageiros</a:t>
+            </a:r>
+            <a:r>
+              <a:rPr lang="en-US" dirty="0"/>
+              <a:t> de </a:t>
+            </a:r>
+            <a:r>
+              <a:rPr lang="en-US" dirty="0" err="1"/>
+              <a:t>Ônibus</a:t>
+            </a:r>
+            <a:endParaRPr lang="en-US" dirty="0"/>
+          </a:p>
+        </p:txBody>
+      </p:sp>
+      <p:sp>
+        <p:nvSpPr>
+          <p:cNvPr id="6" name="CaixaDeTexto 5">
+            <a:extLst>
+              <a:ext uri="{FF2B5EF4-FFF2-40B4-BE49-F238E27FC236}">
+                <a16:creationId xmlns:a16="http://schemas.microsoft.com/office/drawing/2014/main" id="{DB8045A5-26FA-4666-A5C1-28F6635009EE}"/>
+              </a:ext>
+            </a:extLst>
+          </p:cNvPr>
+          <p:cNvSpPr txBox="1"/>
+          <p:nvPr/>
+        </p:nvSpPr>
+        <p:spPr>
+          <a:xfrm flipH="1">
+            <a:off x="9264874" y="6313118"/>
+            <a:ext cx="1933393" cy="369332"/>
+          </a:xfrm>
+          <a:prstGeom prst="rect">
+            <a:avLst/>
+          </a:prstGeom>
+          <a:noFill/>
+        </p:spPr>
+        <p:txBody>
+          <a:bodyPr wrap="square" rtlCol="0">
+            <a:spAutoFit/>
+          </a:bodyPr>
+          <a:lstStyle/>
+          <a:p>
+            <a:r>
+              <a:rPr lang="pt-BR" i="1" dirty="0"/>
+              <a:t>Fonte: SPTrans</a:t>
+            </a:r>
+          </a:p>
+        </p:txBody>
+      </p:sp>
+      <p:pic>
+        <p:nvPicPr>
+          <p:cNvPr id="7" name="Picture" title="This slide contains the following visuals: clusteredColumnChart. Please refer to the notes on this slide for details.">
+            <a:hlinkClick r:id="rId3"/>
+            <a:extLst>
+              <a:ext uri="{FF2B5EF4-FFF2-40B4-BE49-F238E27FC236}">
+                <a16:creationId xmlns:a16="http://schemas.microsoft.com/office/drawing/2014/main" id="{1C19B857-378B-42BA-AFB6-3312248CC646}"/>
+              </a:ext>
+            </a:extLst>
+          </p:cNvPr>
+          <p:cNvPicPr>
+            <a:picLocks noChangeAspect="1"/>
+          </p:cNvPicPr>
+          <p:nvPr/>
+        </p:nvPicPr>
+        <p:blipFill rotWithShape="1">
+          <a:blip r:embed="rId4">
+            <a:alphaModFix amt="67000"/>
+          </a:blip>
+          <a:srcRect r="44338"/>
+          <a:stretch/>
+        </p:blipFill>
+        <p:spPr>
+          <a:xfrm>
+            <a:off x="6409660" y="1843088"/>
+            <a:ext cx="4387776" cy="4497387"/>
+          </a:xfrm>
+          <a:prstGeom prst="rect">
+            <a:avLst/>
+          </a:prstGeom>
+          <a:noFill/>
+        </p:spPr>
+      </p:pic>
+      <p:sp>
+        <p:nvSpPr>
+          <p:cNvPr id="8" name="Espaço Reservado para Conteúdo 2">
+            <a:extLst>
+              <a:ext uri="{FF2B5EF4-FFF2-40B4-BE49-F238E27FC236}">
+                <a16:creationId xmlns:a16="http://schemas.microsoft.com/office/drawing/2014/main" id="{BD6F355E-43A1-44F9-9AA1-93AE6CF48F93}"/>
+              </a:ext>
+            </a:extLst>
+          </p:cNvPr>
+          <p:cNvSpPr txBox="1">
+            <a:spLocks/>
+          </p:cNvSpPr>
+          <p:nvPr/>
+        </p:nvSpPr>
+        <p:spPr>
+          <a:xfrm>
+            <a:off x="838200" y="1825625"/>
+            <a:ext cx="5181600" cy="4351338"/>
+          </a:xfrm>
+          <a:prstGeom prst="rect">
+            <a:avLst/>
+          </a:prstGeom>
+        </p:spPr>
+        <p:txBody>
+          <a:bodyPr/>
+          <a:lstStyle>
+            <a:lvl1pPr marL="228600" indent="-228600" algn="l" defTabSz="914400" rtl="0" eaLnBrk="1" latinLnBrk="0" hangingPunct="1">
+              <a:lnSpc>
+                <a:spcPct val="90000"/>
+              </a:lnSpc>
+              <a:spcBef>
+                <a:spcPts val="1000"/>
+              </a:spcBef>
+              <a:buFont typeface="Arial" panose="020B0604020202020204" pitchFamily="34" charset="0"/>
+              <a:buChar char="•"/>
+              <a:defRPr sz="2800" kern="1200">
+                <a:solidFill>
+                  <a:schemeClr val="accent6">
+                    <a:lumMod val="40000"/>
+                    <a:lumOff val="60000"/>
+                  </a:schemeClr>
+                </a:solidFill>
+                <a:latin typeface="+mn-lt"/>
+                <a:ea typeface="+mn-ea"/>
+                <a:cs typeface="+mn-cs"/>
+              </a:defRPr>
+            </a:lvl1pPr>
+            <a:lvl2pPr marL="685800" indent="-228600" algn="l" defTabSz="914400" rtl="0" eaLnBrk="1" latinLnBrk="0" hangingPunct="1">
+              <a:lnSpc>
+                <a:spcPct val="90000"/>
+              </a:lnSpc>
+              <a:spcBef>
+                <a:spcPts val="500"/>
+              </a:spcBef>
+              <a:buFont typeface="Arial" panose="020B0604020202020204" pitchFamily="34" charset="0"/>
+              <a:buChar char="•"/>
+              <a:defRPr sz="2400" kern="1200">
+                <a:solidFill>
+                  <a:schemeClr val="accent6">
+                    <a:lumMod val="40000"/>
+                    <a:lumOff val="60000"/>
+                  </a:schemeClr>
+                </a:solidFill>
+                <a:latin typeface="+mn-lt"/>
+                <a:ea typeface="+mn-ea"/>
+                <a:cs typeface="+mn-cs"/>
+              </a:defRPr>
+            </a:lvl2pPr>
+            <a:lvl3pPr marL="1143000" indent="-228600" algn="l" defTabSz="914400" rtl="0" eaLnBrk="1" latinLnBrk="0" hangingPunct="1">
+              <a:lnSpc>
+                <a:spcPct val="90000"/>
+              </a:lnSpc>
+              <a:spcBef>
+                <a:spcPts val="500"/>
+              </a:spcBef>
+              <a:buFont typeface="Arial" panose="020B0604020202020204" pitchFamily="34" charset="0"/>
+              <a:buChar char="•"/>
+              <a:defRPr sz="2000" kern="1200">
+                <a:solidFill>
+                  <a:schemeClr val="accent6">
+                    <a:lumMod val="40000"/>
+                    <a:lumOff val="60000"/>
+                  </a:schemeClr>
+                </a:solidFill>
+                <a:latin typeface="+mn-lt"/>
+                <a:ea typeface="+mn-ea"/>
+                <a:cs typeface="+mn-cs"/>
+              </a:defRPr>
+            </a:lvl3pPr>
+            <a:lvl4pPr marL="1600200" indent="-228600" algn="l" defTabSz="914400" rtl="0" eaLnBrk="1" latinLnBrk="0" hangingPunct="1">
+              <a:lnSpc>
+                <a:spcPct val="90000"/>
+              </a:lnSpc>
+              <a:spcBef>
+                <a:spcPts val="500"/>
+              </a:spcBef>
+              <a:buFont typeface="Arial" panose="020B0604020202020204" pitchFamily="34" charset="0"/>
+              <a:buChar char="•"/>
+              <a:defRPr sz="1800" kern="1200">
+                <a:solidFill>
+                  <a:schemeClr val="accent6">
+                    <a:lumMod val="40000"/>
+                    <a:lumOff val="60000"/>
+                  </a:schemeClr>
+                </a:solidFill>
+                <a:latin typeface="+mn-lt"/>
+                <a:ea typeface="+mn-ea"/>
+                <a:cs typeface="+mn-cs"/>
+              </a:defRPr>
+            </a:lvl4pPr>
+            <a:lvl5pPr marL="2057400" indent="-228600" algn="l" defTabSz="914400" rtl="0" eaLnBrk="1" latinLnBrk="0" hangingPunct="1">
+              <a:lnSpc>
+                <a:spcPct val="90000"/>
+              </a:lnSpc>
+              <a:spcBef>
+                <a:spcPts val="500"/>
+              </a:spcBef>
+              <a:buFont typeface="Arial" panose="020B0604020202020204" pitchFamily="34" charset="0"/>
+              <a:buChar char="•"/>
+              <a:defRPr sz="1800" kern="1200">
+                <a:solidFill>
+                  <a:schemeClr val="accent6">
+                    <a:lumMod val="40000"/>
+                    <a:lumOff val="60000"/>
+                  </a:schemeClr>
+                </a:solidFill>
+                <a:latin typeface="+mn-lt"/>
+                <a:ea typeface="+mn-ea"/>
+                <a:cs typeface="+mn-cs"/>
+              </a:defRPr>
+            </a:lvl5pPr>
+            <a:lvl6pPr marL="2514600" indent="-228600" algn="l" defTabSz="914400" rtl="0" eaLnBrk="1" latinLnBrk="0" hangingPunct="1">
+              <a:lnSpc>
+                <a:spcPct val="90000"/>
+              </a:lnSpc>
+              <a:spcBef>
+                <a:spcPts val="500"/>
+              </a:spcBef>
+              <a:buFont typeface="Arial" panose="020B0604020202020204" pitchFamily="34" charset="0"/>
+              <a:buChar char="•"/>
+              <a:defRPr sz="1800" kern="1200">
+                <a:solidFill>
+                  <a:schemeClr val="tx1"/>
+                </a:solidFill>
+                <a:latin typeface="+mn-lt"/>
+                <a:ea typeface="+mn-ea"/>
+                <a:cs typeface="+mn-cs"/>
+              </a:defRPr>
+            </a:lvl6pPr>
+            <a:lvl7pPr marL="2971800" indent="-228600" algn="l" defTabSz="914400" rtl="0" eaLnBrk="1" latinLnBrk="0" hangingPunct="1">
+              <a:lnSpc>
+                <a:spcPct val="90000"/>
+              </a:lnSpc>
+              <a:spcBef>
+                <a:spcPts val="500"/>
+              </a:spcBef>
+              <a:buFont typeface="Arial" panose="020B0604020202020204" pitchFamily="34" charset="0"/>
+              <a:buChar char="•"/>
+              <a:defRPr sz="1800" kern="1200">
+                <a:solidFill>
+                  <a:schemeClr val="tx1"/>
+                </a:solidFill>
+                <a:latin typeface="+mn-lt"/>
+                <a:ea typeface="+mn-ea"/>
+                <a:cs typeface="+mn-cs"/>
+              </a:defRPr>
+            </a:lvl7pPr>
+            <a:lvl8pPr marL="3429000" indent="-228600" algn="l" defTabSz="914400" rtl="0" eaLnBrk="1" latinLnBrk="0" hangingPunct="1">
+              <a:lnSpc>
+                <a:spcPct val="90000"/>
+              </a:lnSpc>
+              <a:spcBef>
+                <a:spcPts val="500"/>
+              </a:spcBef>
+              <a:buFont typeface="Arial" panose="020B0604020202020204" pitchFamily="34" charset="0"/>
+              <a:buChar char="•"/>
+              <a:defRPr sz="1800" kern="1200">
+                <a:solidFill>
+                  <a:schemeClr val="tx1"/>
+                </a:solidFill>
+                <a:latin typeface="+mn-lt"/>
+                <a:ea typeface="+mn-ea"/>
+                <a:cs typeface="+mn-cs"/>
+              </a:defRPr>
+            </a:lvl8pPr>
+            <a:lvl9pPr marL="3886200" indent="-228600" algn="l" defTabSz="914400" rtl="0" eaLnBrk="1" latinLnBrk="0" hangingPunct="1">
+              <a:lnSpc>
+                <a:spcPct val="90000"/>
+              </a:lnSpc>
+              <a:spcBef>
+                <a:spcPts val="500"/>
+              </a:spcBef>
+              <a:buFont typeface="Arial" panose="020B0604020202020204" pitchFamily="34" charset="0"/>
+              <a:buChar char="•"/>
+              <a:defRPr sz="1800" kern="1200">
+                <a:solidFill>
+                  <a:schemeClr val="tx1"/>
+                </a:solidFill>
+                <a:latin typeface="+mn-lt"/>
+                <a:ea typeface="+mn-ea"/>
+                <a:cs typeface="+mn-cs"/>
+              </a:defRPr>
+            </a:lvl9pPr>
+          </a:lstStyle>
+          <a:p>
+            <a:r>
+              <a:rPr lang="pt-BR" dirty="0"/>
+              <a:t>Em 2020, as restrições de circulação na cidade de São Paulo promoveram uma forte queda no número de passageiros de ônibus (amém!), cujos efeitos se prolongam até o presente</a:t>
+            </a:r>
+          </a:p>
+          <a:p>
+            <a:r>
+              <a:rPr lang="pt-BR" dirty="0"/>
+              <a:t>Entretanto, pode-se observar que, mesmo antes desse período, a média semanal decresce (2016-2019)</a:t>
+            </a:r>
+          </a:p>
+        </p:txBody>
+      </p:sp>
+    </p:spTree>
+  </p:cSld>
+  <p:clrMapOvr>
+    <a:masterClrMapping/>
+  </p:clrMapOvr>
+</p:sld>
+</file>
+
+<file path=ppt/slides/slide7.xml><?xml version="1.0" encoding="utf-8"?>
+<p:sld xmlns:a="http://schemas.openxmlformats.org/drawingml/2006/main" xmlns:r="http://schemas.openxmlformats.org/officeDocument/2006/relationships" xmlns:p="http://schemas.openxmlformats.org/presentationml/2006/main">
+  <p:cSld>
+    <p:spTree>
+      <p:nvGrpSpPr>
+        <p:cNvPr id="1" name=""/>
+        <p:cNvGrpSpPr/>
+        <p:nvPr/>
+      </p:nvGrpSpPr>
+      <p:grpSpPr>
+        <a:xfrm>
+          <a:off x="0" y="0"/>
+          <a:ext cx="0" cy="0"/>
+          <a:chOff x="0" y="0"/>
+          <a:chExt cx="0" cy="0"/>
+        </a:xfrm>
+      </p:grpSpPr>
+      <p:sp>
+        <p:nvSpPr>
+          <p:cNvPr id="2" name="Título 1">
+            <a:extLst>
+              <a:ext uri="{FF2B5EF4-FFF2-40B4-BE49-F238E27FC236}">
+                <a16:creationId xmlns:a16="http://schemas.microsoft.com/office/drawing/2014/main" id="{A3A7A31C-85FA-4BA2-B236-F282FF2B5656}"/>
+              </a:ext>
+            </a:extLst>
+          </p:cNvPr>
+          <p:cNvSpPr>
+            <a:spLocks noGrp="1"/>
+          </p:cNvSpPr>
+          <p:nvPr>
+            <p:ph type="title"/>
+          </p:nvPr>
+        </p:nvSpPr>
+        <p:spPr/>
+        <p:txBody>
+          <a:bodyPr/>
+          <a:lstStyle/>
+          <a:p>
+            <a:r>
+              <a:rPr lang="pt-BR" dirty="0"/>
+              <a:t>Linhas de Ônibus</a:t>
+            </a:r>
+          </a:p>
+        </p:txBody>
+      </p:sp>
+      <p:sp>
+        <p:nvSpPr>
+          <p:cNvPr id="3" name="Espaço Reservado para Conteúdo 2">
+            <a:extLst>
+              <a:ext uri="{FF2B5EF4-FFF2-40B4-BE49-F238E27FC236}">
+                <a16:creationId xmlns:a16="http://schemas.microsoft.com/office/drawing/2014/main" id="{DF71564F-E0B9-42BF-8320-1A2877C8B4DF}"/>
+              </a:ext>
+            </a:extLst>
+          </p:cNvPr>
+          <p:cNvSpPr>
+            <a:spLocks noGrp="1"/>
+          </p:cNvSpPr>
+          <p:nvPr>
+            <p:ph sz="half" idx="1"/>
+          </p:nvPr>
+        </p:nvSpPr>
+        <p:spPr/>
+        <p:txBody>
+          <a:bodyPr/>
+          <a:lstStyle/>
+          <a:p>
+            <a:r>
+              <a:rPr lang="pt-BR" dirty="0"/>
+              <a:t>Acompanhando a queda de passageiros entre 2017 e 2019, a quantidade de linhas operadas também diminuiu</a:t>
+            </a:r>
+          </a:p>
+          <a:p>
+            <a:r>
+              <a:rPr lang="pt-BR" dirty="0"/>
+              <a:t>A queda mais acentuada ocorreu entre 2019 e 2020, ainda no período </a:t>
+            </a:r>
+            <a:r>
+              <a:rPr lang="pt-BR" dirty="0" err="1"/>
+              <a:t>pré</a:t>
+            </a:r>
+            <a:r>
+              <a:rPr lang="pt-BR" dirty="0"/>
+              <a:t>-pandemia</a:t>
+            </a:r>
+          </a:p>
+        </p:txBody>
+      </p:sp>
+      <p:graphicFrame>
+        <p:nvGraphicFramePr>
+          <p:cNvPr id="5" name="Tabela 5">
+            <a:extLst>
+              <a:ext uri="{FF2B5EF4-FFF2-40B4-BE49-F238E27FC236}">
+                <a16:creationId xmlns:a16="http://schemas.microsoft.com/office/drawing/2014/main" id="{E23D80D7-9365-4381-86B6-0B8538C6E54E}"/>
+              </a:ext>
+            </a:extLst>
+          </p:cNvPr>
+          <p:cNvGraphicFramePr>
+            <a:graphicFrameLocks noGrp="1"/>
+          </p:cNvGraphicFramePr>
+          <p:nvPr>
+            <p:ph sz="half" idx="2"/>
+            <p:extLst>
+              <p:ext uri="{D42A27DB-BD31-4B8C-83A1-F6EECF244321}">
+                <p14:modId xmlns:p14="http://schemas.microsoft.com/office/powerpoint/2010/main" val="3635807812"/>
+              </p:ext>
+            </p:extLst>
+          </p:nvPr>
+        </p:nvGraphicFramePr>
+        <p:xfrm>
+          <a:off x="6388274" y="2339191"/>
+          <a:ext cx="4965526" cy="3235960"/>
+        </p:xfrm>
+        <a:graphic>
+          <a:graphicData uri="http://schemas.openxmlformats.org/drawingml/2006/table">
+            <a:tbl>
+              <a:tblPr firstRow="1" bandRow="1">
+                <a:tableStyleId>{5C22544A-7EE6-4342-B048-85BDC9FD1C3A}</a:tableStyleId>
+              </a:tblPr>
+              <a:tblGrid>
+                <a:gridCol w="2482763">
+                  <a:extLst>
+                    <a:ext uri="{9D8B030D-6E8A-4147-A177-3AD203B41FA5}">
+                      <a16:colId xmlns:a16="http://schemas.microsoft.com/office/drawing/2014/main" val="2184088319"/>
+                    </a:ext>
+                  </a:extLst>
+                </a:gridCol>
+                <a:gridCol w="2482763">
+                  <a:extLst>
+                    <a:ext uri="{9D8B030D-6E8A-4147-A177-3AD203B41FA5}">
+                      <a16:colId xmlns:a16="http://schemas.microsoft.com/office/drawing/2014/main" val="19501204"/>
+                    </a:ext>
+                  </a:extLst>
+                </a:gridCol>
+              </a:tblGrid>
+              <a:tr h="370840">
+                <a:tc>
+                  <a:txBody>
+                    <a:bodyPr/>
+                    <a:lstStyle/>
+                    <a:p>
+                      <a:pPr algn="ctr"/>
+                      <a:r>
+                        <a:rPr lang="pt-BR" dirty="0"/>
+                        <a:t>Ano</a:t>
+                      </a:r>
+                    </a:p>
+                  </a:txBody>
+                  <a:tcPr/>
+                </a:tc>
+                <a:tc>
+                  <a:txBody>
+                    <a:bodyPr/>
+                    <a:lstStyle/>
+                    <a:p>
+                      <a:pPr algn="ctr"/>
+                      <a:r>
+                        <a:rPr lang="pt-BR" dirty="0"/>
+                        <a:t>Número de linhas operadas</a:t>
+                      </a:r>
+                    </a:p>
+                  </a:txBody>
+                  <a:tcPr/>
+                </a:tc>
+                <a:extLst>
+                  <a:ext uri="{0D108BD9-81ED-4DB2-BD59-A6C34878D82A}">
+                    <a16:rowId xmlns:a16="http://schemas.microsoft.com/office/drawing/2014/main" val="1087155402"/>
+                  </a:ext>
+                </a:extLst>
+              </a:tr>
+              <a:tr h="370840">
+                <a:tc>
+                  <a:txBody>
+                    <a:bodyPr/>
+                    <a:lstStyle/>
+                    <a:p>
+                      <a:pPr algn="ctr"/>
+                      <a:r>
+                        <a:rPr lang="pt-BR" dirty="0"/>
+                        <a:t>2015</a:t>
+                      </a:r>
+                    </a:p>
+                  </a:txBody>
+                  <a:tcPr/>
+                </a:tc>
+                <a:tc>
+                  <a:txBody>
+                    <a:bodyPr/>
+                    <a:lstStyle/>
+                    <a:p>
+                      <a:pPr algn="ctr"/>
+                      <a:r>
+                        <a:rPr lang="pt-BR" dirty="0"/>
+                        <a:t>1660</a:t>
+                      </a:r>
+                    </a:p>
+                  </a:txBody>
+                  <a:tcPr/>
+                </a:tc>
+                <a:extLst>
+                  <a:ext uri="{0D108BD9-81ED-4DB2-BD59-A6C34878D82A}">
+                    <a16:rowId xmlns:a16="http://schemas.microsoft.com/office/drawing/2014/main" val="1179811780"/>
+                  </a:ext>
+                </a:extLst>
+              </a:tr>
+              <a:tr h="370840">
+                <a:tc>
+                  <a:txBody>
+                    <a:bodyPr/>
+                    <a:lstStyle/>
+                    <a:p>
+                      <a:pPr algn="ctr"/>
+                      <a:r>
+                        <a:rPr lang="pt-BR" dirty="0"/>
+                        <a:t>2016</a:t>
+                      </a:r>
+                    </a:p>
+                  </a:txBody>
+                  <a:tcPr/>
+                </a:tc>
+                <a:tc>
+                  <a:txBody>
+                    <a:bodyPr/>
+                    <a:lstStyle/>
+                    <a:p>
+                      <a:pPr algn="ctr"/>
+                      <a:r>
+                        <a:rPr lang="pt-BR" dirty="0"/>
+                        <a:t>1588</a:t>
+                      </a:r>
+                    </a:p>
+                  </a:txBody>
+                  <a:tcPr/>
+                </a:tc>
+                <a:extLst>
+                  <a:ext uri="{0D108BD9-81ED-4DB2-BD59-A6C34878D82A}">
+                    <a16:rowId xmlns:a16="http://schemas.microsoft.com/office/drawing/2014/main" val="2380503040"/>
+                  </a:ext>
+                </a:extLst>
+              </a:tr>
+              <a:tr h="370840">
+                <a:tc>
+                  <a:txBody>
+                    <a:bodyPr/>
+                    <a:lstStyle/>
+                    <a:p>
+                      <a:pPr algn="ctr"/>
+                      <a:r>
+                        <a:rPr lang="pt-BR" dirty="0"/>
+                        <a:t>2017</a:t>
+                      </a:r>
+                    </a:p>
+                  </a:txBody>
+                  <a:tcPr/>
+                </a:tc>
+                <a:tc>
+                  <a:txBody>
+                    <a:bodyPr/>
+                    <a:lstStyle/>
+                    <a:p>
+                      <a:pPr algn="ctr"/>
+                      <a:r>
+                        <a:rPr lang="pt-BR" dirty="0"/>
+                        <a:t>1585</a:t>
+                      </a:r>
+                    </a:p>
+                  </a:txBody>
+                  <a:tcPr/>
+                </a:tc>
+                <a:extLst>
+                  <a:ext uri="{0D108BD9-81ED-4DB2-BD59-A6C34878D82A}">
+                    <a16:rowId xmlns:a16="http://schemas.microsoft.com/office/drawing/2014/main" val="1980591017"/>
+                  </a:ext>
+                </a:extLst>
+              </a:tr>
+              <a:tr h="370840">
+                <a:tc>
+                  <a:txBody>
+                    <a:bodyPr/>
+                    <a:lstStyle/>
+                    <a:p>
+                      <a:pPr algn="ctr"/>
+                      <a:r>
+                        <a:rPr lang="pt-BR" dirty="0"/>
+                        <a:t>2018</a:t>
+                      </a:r>
+                    </a:p>
+                  </a:txBody>
+                  <a:tcPr/>
+                </a:tc>
+                <a:tc>
+                  <a:txBody>
+                    <a:bodyPr/>
+                    <a:lstStyle/>
+                    <a:p>
+                      <a:pPr algn="ctr"/>
+                      <a:r>
+                        <a:rPr lang="pt-BR" dirty="0"/>
+                        <a:t>1550</a:t>
+                      </a:r>
+                    </a:p>
+                  </a:txBody>
+                  <a:tcPr/>
+                </a:tc>
+                <a:extLst>
+                  <a:ext uri="{0D108BD9-81ED-4DB2-BD59-A6C34878D82A}">
+                    <a16:rowId xmlns:a16="http://schemas.microsoft.com/office/drawing/2014/main" val="3709127778"/>
+                  </a:ext>
+                </a:extLst>
+              </a:tr>
+              <a:tr h="370840">
+                <a:tc>
+                  <a:txBody>
+                    <a:bodyPr/>
+                    <a:lstStyle/>
+                    <a:p>
+                      <a:pPr algn="ctr"/>
+                      <a:r>
+                        <a:rPr lang="pt-BR" dirty="0"/>
+                        <a:t>2019</a:t>
+                      </a:r>
+                    </a:p>
+                  </a:txBody>
+                  <a:tcPr/>
+                </a:tc>
+                <a:tc>
+                  <a:txBody>
+                    <a:bodyPr/>
+                    <a:lstStyle/>
+                    <a:p>
+                      <a:pPr algn="ctr"/>
+                      <a:r>
+                        <a:rPr lang="pt-BR" dirty="0"/>
+                        <a:t>1551</a:t>
+                      </a:r>
+                    </a:p>
+                  </a:txBody>
+                  <a:tcPr/>
+                </a:tc>
+                <a:extLst>
+                  <a:ext uri="{0D108BD9-81ED-4DB2-BD59-A6C34878D82A}">
+                    <a16:rowId xmlns:a16="http://schemas.microsoft.com/office/drawing/2014/main" val="3703369497"/>
+                  </a:ext>
+                </a:extLst>
+              </a:tr>
+              <a:tr h="370840">
+                <a:tc>
+                  <a:txBody>
+                    <a:bodyPr/>
+                    <a:lstStyle/>
+                    <a:p>
+                      <a:pPr algn="ctr"/>
+                      <a:r>
+                        <a:rPr lang="pt-BR" dirty="0"/>
+                        <a:t>2020</a:t>
+                      </a:r>
+                    </a:p>
+                  </a:txBody>
+                  <a:tcPr/>
+                </a:tc>
+                <a:tc>
+                  <a:txBody>
+                    <a:bodyPr/>
+                    <a:lstStyle/>
+                    <a:p>
+                      <a:pPr algn="ctr"/>
+                      <a:r>
+                        <a:rPr lang="pt-BR" dirty="0"/>
+                        <a:t>1400</a:t>
+                      </a:r>
+                    </a:p>
+                  </a:txBody>
+                  <a:tcPr/>
+                </a:tc>
+                <a:extLst>
+                  <a:ext uri="{0D108BD9-81ED-4DB2-BD59-A6C34878D82A}">
+                    <a16:rowId xmlns:a16="http://schemas.microsoft.com/office/drawing/2014/main" val="1442716272"/>
+                  </a:ext>
+                </a:extLst>
+              </a:tr>
+              <a:tr h="370840">
+                <a:tc>
+                  <a:txBody>
+                    <a:bodyPr/>
+                    <a:lstStyle/>
+                    <a:p>
+                      <a:pPr algn="ctr"/>
+                      <a:r>
+                        <a:rPr lang="pt-BR" dirty="0"/>
+                        <a:t>2021</a:t>
+                      </a:r>
+                    </a:p>
+                  </a:txBody>
+                  <a:tcPr/>
+                </a:tc>
+                <a:tc>
+                  <a:txBody>
+                    <a:bodyPr/>
+                    <a:lstStyle/>
+                    <a:p>
+                      <a:pPr algn="ctr"/>
+                      <a:r>
+                        <a:rPr lang="pt-BR" dirty="0"/>
+                        <a:t>1362</a:t>
+                      </a:r>
+                    </a:p>
+                  </a:txBody>
+                  <a:tcPr/>
+                </a:tc>
+                <a:extLst>
+                  <a:ext uri="{0D108BD9-81ED-4DB2-BD59-A6C34878D82A}">
+                    <a16:rowId xmlns:a16="http://schemas.microsoft.com/office/drawing/2014/main" val="640573041"/>
+                  </a:ext>
+                </a:extLst>
+              </a:tr>
+            </a:tbl>
+          </a:graphicData>
+        </a:graphic>
+      </p:graphicFrame>
+      <p:sp>
+        <p:nvSpPr>
+          <p:cNvPr id="8" name="CaixaDeTexto 7">
+            <a:extLst>
+              <a:ext uri="{FF2B5EF4-FFF2-40B4-BE49-F238E27FC236}">
+                <a16:creationId xmlns:a16="http://schemas.microsoft.com/office/drawing/2014/main" id="{B58FA4CE-D64C-4384-814F-BFC88024536C}"/>
+              </a:ext>
+            </a:extLst>
+          </p:cNvPr>
+          <p:cNvSpPr txBox="1"/>
+          <p:nvPr/>
+        </p:nvSpPr>
+        <p:spPr>
+          <a:xfrm flipH="1">
+            <a:off x="9845458" y="5536506"/>
+            <a:ext cx="1803746" cy="369332"/>
+          </a:xfrm>
+          <a:prstGeom prst="rect">
+            <a:avLst/>
+          </a:prstGeom>
+          <a:noFill/>
+        </p:spPr>
+        <p:txBody>
+          <a:bodyPr wrap="square" rtlCol="0">
+            <a:spAutoFit/>
+          </a:bodyPr>
+          <a:lstStyle/>
+          <a:p>
+            <a:r>
+              <a:rPr lang="pt-BR" i="1" dirty="0"/>
+              <a:t>Fonte: SPTrans</a:t>
+            </a:r>
+          </a:p>
+        </p:txBody>
+      </p:sp>
+    </p:spTree>
+    <p:extLst>
+      <p:ext uri="{BB962C8B-B14F-4D97-AF65-F5344CB8AC3E}">
+        <p14:creationId xmlns:p14="http://schemas.microsoft.com/office/powerpoint/2010/main" val="1957816684"/>
+      </p:ext>
+    </p:extLst>
+  </p:cSld>
+  <p:clrMapOvr>
+    <a:masterClrMapping/>
+  </p:clrMapOvr>
+</p:sld>
+</file>
+
+<file path=ppt/slides/slide8.xml><?xml version="1.0" encoding="utf-8"?>
+<p:sld xmlns:a="http://schemas.openxmlformats.org/drawingml/2006/main" xmlns:r="http://schemas.openxmlformats.org/officeDocument/2006/relationships" xmlns:p="http://schemas.openxmlformats.org/presentationml/2006/main">
+  <p:cSld>
+    <p:spTree>
+      <p:nvGrpSpPr>
+        <p:cNvPr id="1" name=""/>
+        <p:cNvGrpSpPr/>
+        <p:nvPr/>
+      </p:nvGrpSpPr>
+      <p:grpSpPr>
+        <a:xfrm>
+          <a:off x="0" y="0"/>
+          <a:ext cx="0" cy="0"/>
+          <a:chOff x="0" y="0"/>
+          <a:chExt cx="0" cy="0"/>
+        </a:xfrm>
+      </p:grpSpPr>
+      <p:pic>
+        <p:nvPicPr>
+          <p:cNvPr id="5" name="Picture" title="This slide contains the following visuals: stackedAreaChart. Please refer to the notes on this slide for details.">
+            <a:hlinkClick r:id="rId2"/>
+            <a:extLst>
+              <a:ext uri="{FF2B5EF4-FFF2-40B4-BE49-F238E27FC236}">
+                <a16:creationId xmlns:a16="http://schemas.microsoft.com/office/drawing/2014/main" id="{C4D916D8-4C41-4015-BCBD-4425391B3F8A}"/>
+              </a:ext>
+            </a:extLst>
+          </p:cNvPr>
+          <p:cNvPicPr>
+            <a:picLocks noChangeAspect="1"/>
+          </p:cNvPicPr>
+          <p:nvPr/>
+        </p:nvPicPr>
+        <p:blipFill>
+          <a:blip r:embed="rId3">
+            <a:alphaModFix amt="80000"/>
+          </a:blip>
+          <a:stretch>
+            <a:fillRect/>
+          </a:stretch>
+        </p:blipFill>
+        <p:spPr>
+          <a:xfrm>
+            <a:off x="1571037" y="1694811"/>
+            <a:ext cx="9049923" cy="4764498"/>
+          </a:xfrm>
+          <a:prstGeom prst="rect">
+            <a:avLst/>
+          </a:prstGeom>
+          <a:noFill/>
+        </p:spPr>
+      </p:pic>
+      <p:sp>
+        <p:nvSpPr>
+          <p:cNvPr id="2" name="Título 1">
+            <a:extLst>
+              <a:ext uri="{FF2B5EF4-FFF2-40B4-BE49-F238E27FC236}">
+                <a16:creationId xmlns:a16="http://schemas.microsoft.com/office/drawing/2014/main" id="{36F162E6-8967-40E2-B118-CEA36D6AD2E2}"/>
+              </a:ext>
+            </a:extLst>
+          </p:cNvPr>
+          <p:cNvSpPr>
+            <a:spLocks noGrp="1"/>
+          </p:cNvSpPr>
+          <p:nvPr>
+            <p:ph type="title"/>
+          </p:nvPr>
+        </p:nvSpPr>
+        <p:spPr/>
+        <p:txBody>
+          <a:bodyPr/>
+          <a:lstStyle/>
+          <a:p>
+            <a:r>
+              <a:rPr lang="pt-BR" dirty="0"/>
+              <a:t>Formas de Pagamento ou Gratuidade</a:t>
+            </a:r>
+          </a:p>
+        </p:txBody>
+      </p:sp>
+      <p:sp>
+        <p:nvSpPr>
+          <p:cNvPr id="4" name="CaixaDeTexto 3">
+            <a:extLst>
+              <a:ext uri="{FF2B5EF4-FFF2-40B4-BE49-F238E27FC236}">
+                <a16:creationId xmlns:a16="http://schemas.microsoft.com/office/drawing/2014/main" id="{2E08AC0E-B136-437E-821E-7A671C4B9315}"/>
+              </a:ext>
+            </a:extLst>
+          </p:cNvPr>
+          <p:cNvSpPr txBox="1"/>
+          <p:nvPr/>
+        </p:nvSpPr>
+        <p:spPr>
+          <a:xfrm flipH="1">
+            <a:off x="9102035" y="6463430"/>
+            <a:ext cx="1695400" cy="369332"/>
+          </a:xfrm>
+          <a:prstGeom prst="rect">
+            <a:avLst/>
+          </a:prstGeom>
+          <a:noFill/>
+        </p:spPr>
+        <p:txBody>
+          <a:bodyPr wrap="square" rtlCol="0">
+            <a:spAutoFit/>
+          </a:bodyPr>
+          <a:lstStyle/>
+          <a:p>
+            <a:r>
+              <a:rPr lang="pt-BR" i="1" dirty="0"/>
+              <a:t>Fonte: SPTrans</a:t>
+            </a:r>
+          </a:p>
+        </p:txBody>
+      </p:sp>
+    </p:spTree>
+    <p:extLst>
+      <p:ext uri="{BB962C8B-B14F-4D97-AF65-F5344CB8AC3E}">
+        <p14:creationId xmlns:p14="http://schemas.microsoft.com/office/powerpoint/2010/main" val="2398900977"/>
+      </p:ext>
+    </p:extLst>
+  </p:cSld>
+  <p:clrMapOvr>
+    <a:masterClrMapping/>
+  </p:clrMapOvr>
+</p:sld>
+</file>
+
+<file path=ppt/slides/slide9.xml><?xml version="1.0" encoding="utf-8"?>
+<p:sld xmlns:a="http://schemas.openxmlformats.org/drawingml/2006/main" xmlns:r="http://schemas.openxmlformats.org/officeDocument/2006/relationships" xmlns:p="http://schemas.openxmlformats.org/presentationml/2006/main">
+  <p:cSld>
+    <p:spTree>
+      <p:nvGrpSpPr>
+        <p:cNvPr id="1" name=""/>
+        <p:cNvGrpSpPr/>
+        <p:nvPr/>
+      </p:nvGrpSpPr>
+      <p:grpSpPr>
+        <a:xfrm>
+          <a:off x="0" y="0"/>
+          <a:ext cx="0" cy="0"/>
+          <a:chOff x="0" y="0"/>
+          <a:chExt cx="0" cy="0"/>
+        </a:xfrm>
+      </p:grpSpPr>
+      <p:pic>
+        <p:nvPicPr>
+          <p:cNvPr id="7" name="Picture" title="This slide contains the following visuals: clusteredColumnChart. Please refer to the notes on this slide for details.">
+            <a:hlinkClick r:id="rId2"/>
+            <a:extLst>
+              <a:ext uri="{FF2B5EF4-FFF2-40B4-BE49-F238E27FC236}">
+                <a16:creationId xmlns:a16="http://schemas.microsoft.com/office/drawing/2014/main" id="{24553CF9-0FDE-4FD4-9BB2-082550B594F5}"/>
+              </a:ext>
+            </a:extLst>
+          </p:cNvPr>
+          <p:cNvPicPr>
+            <a:picLocks noChangeAspect="1"/>
+          </p:cNvPicPr>
+          <p:nvPr/>
+        </p:nvPicPr>
+        <p:blipFill>
+          <a:blip r:embed="rId3">
+            <a:alphaModFix amt="67000"/>
+          </a:blip>
+          <a:stretch>
+            <a:fillRect/>
+          </a:stretch>
+        </p:blipFill>
+        <p:spPr>
+          <a:xfrm>
+            <a:off x="1905328" y="1690688"/>
+            <a:ext cx="8381343" cy="4781749"/>
+          </a:xfrm>
+          <a:prstGeom prst="rect">
+            <a:avLst/>
+          </a:prstGeom>
+          <a:noFill/>
+        </p:spPr>
+      </p:pic>
+      <p:sp>
+        <p:nvSpPr>
+          <p:cNvPr id="2" name="Título 1">
+            <a:extLst>
+              <a:ext uri="{FF2B5EF4-FFF2-40B4-BE49-F238E27FC236}">
+                <a16:creationId xmlns:a16="http://schemas.microsoft.com/office/drawing/2014/main" id="{02030EAE-1792-44C0-BC3E-482E38867759}"/>
+              </a:ext>
+            </a:extLst>
+          </p:cNvPr>
+          <p:cNvSpPr>
+            <a:spLocks noGrp="1"/>
+          </p:cNvSpPr>
+          <p:nvPr>
+            <p:ph type="title"/>
+          </p:nvPr>
+        </p:nvSpPr>
+        <p:spPr/>
+        <p:txBody>
+          <a:bodyPr/>
+          <a:lstStyle/>
+          <a:p>
+            <a:r>
+              <a:rPr lang="pt-BR" dirty="0"/>
+              <a:t>Perfil dos Passageiros Pagantes</a:t>
+            </a:r>
+          </a:p>
+        </p:txBody>
+      </p:sp>
+      <p:sp>
+        <p:nvSpPr>
+          <p:cNvPr id="6" name="CaixaDeTexto 5">
+            <a:extLst>
+              <a:ext uri="{FF2B5EF4-FFF2-40B4-BE49-F238E27FC236}">
+                <a16:creationId xmlns:a16="http://schemas.microsoft.com/office/drawing/2014/main" id="{A627BABB-5BD5-49E9-AFA7-CF8C841706EC}"/>
+              </a:ext>
+            </a:extLst>
+          </p:cNvPr>
+          <p:cNvSpPr txBox="1"/>
+          <p:nvPr/>
+        </p:nvSpPr>
+        <p:spPr>
+          <a:xfrm flipH="1">
+            <a:off x="8751308" y="6450904"/>
+            <a:ext cx="1745502" cy="369518"/>
+          </a:xfrm>
+          <a:prstGeom prst="rect">
+            <a:avLst/>
+          </a:prstGeom>
+          <a:noFill/>
+        </p:spPr>
+        <p:txBody>
+          <a:bodyPr wrap="square" rtlCol="0">
+            <a:spAutoFit/>
+          </a:bodyPr>
+          <a:lstStyle/>
+          <a:p>
+            <a:r>
+              <a:rPr lang="pt-BR" i="1" dirty="0"/>
+              <a:t>Fonte: SPTrans</a:t>
+            </a:r>
+          </a:p>
+        </p:txBody>
+      </p:sp>
+    </p:spTree>
+    <p:extLst>
+      <p:ext uri="{BB962C8B-B14F-4D97-AF65-F5344CB8AC3E}">
+        <p14:creationId xmlns:p14="http://schemas.microsoft.com/office/powerpoint/2010/main" val="3919594515"/>
       </p:ext>
     </p:extLst>
   </p:cSld>
